--- a/presentation/Von der Spaghetti-Schlange zu Q-Tables.pptx
+++ b/presentation/Von der Spaghetti-Schlange zu Q-Tables.pptx
@@ -6,10 +6,10 @@
     <p:sldMasterId id="2147483656" r:id="rId2"/>
   </p:sldMasterIdLst>
   <p:notesMasterIdLst>
-    <p:notesMasterId r:id="rId22"/>
+    <p:notesMasterId r:id="rId23"/>
   </p:notesMasterIdLst>
   <p:handoutMasterIdLst>
-    <p:handoutMasterId r:id="rId23"/>
+    <p:handoutMasterId r:id="rId24"/>
   </p:handoutMasterIdLst>
   <p:sldIdLst>
     <p:sldId id="256" r:id="rId3"/>
@@ -25,12 +25,13 @@
     <p:sldId id="268" r:id="rId13"/>
     <p:sldId id="269" r:id="rId14"/>
     <p:sldId id="270" r:id="rId15"/>
-    <p:sldId id="271" r:id="rId16"/>
-    <p:sldId id="272" r:id="rId17"/>
-    <p:sldId id="273" r:id="rId18"/>
-    <p:sldId id="274" r:id="rId19"/>
-    <p:sldId id="258" r:id="rId20"/>
-    <p:sldId id="259" r:id="rId21"/>
+    <p:sldId id="275" r:id="rId16"/>
+    <p:sldId id="271" r:id="rId17"/>
+    <p:sldId id="272" r:id="rId18"/>
+    <p:sldId id="273" r:id="rId19"/>
+    <p:sldId id="274" r:id="rId20"/>
+    <p:sldId id="258" r:id="rId21"/>
+    <p:sldId id="259" r:id="rId22"/>
   </p:sldIdLst>
   <p:sldSz cx="12192000" cy="6858000"/>
   <p:notesSz cx="6858000" cy="9144000"/>
@@ -163,6 +164,7 @@
           <p14:sldIdLst>
             <p14:sldId id="269"/>
             <p14:sldId id="270"/>
+            <p14:sldId id="275"/>
             <p14:sldId id="271"/>
           </p14:sldIdLst>
         </p14:section>
@@ -296,7 +298,7 @@
                   <a:schemeClr val="tx2"/>
                 </a:solidFill>
               </a:rPr>
-              <a:t>28.03.2020</a:t>
+              <a:t>23.03.2021</a:t>
             </a:fld>
             <a:endParaRPr lang="de-DE">
               <a:solidFill>
@@ -646,7 +648,7 @@
             <a:fld id="{B4113CCE-1A1A-46DB-884A-AE560F65C3AF}" type="datetimeFigureOut">
               <a:rPr lang="de-DE" smtClean="0"/>
               <a:pPr/>
-              <a:t>28.03.2020</a:t>
+              <a:t>23.03.2021</a:t>
             </a:fld>
             <a:endParaRPr lang="de-DE"/>
           </a:p>
@@ -1198,6 +1200,602 @@
 </p:notes>
 </file>
 
+<file path=ppt/notesSlides/notesSlide10.xml><?xml version="1.0" encoding="utf-8"?>
+<p:notes xmlns:a="http://schemas.openxmlformats.org/drawingml/2006/main" xmlns:r="http://schemas.openxmlformats.org/officeDocument/2006/relationships" xmlns:p="http://schemas.openxmlformats.org/presentationml/2006/main">
+  <p:cSld>
+    <p:spTree>
+      <p:nvGrpSpPr>
+        <p:cNvPr id="1" name=""/>
+        <p:cNvGrpSpPr/>
+        <p:nvPr/>
+      </p:nvGrpSpPr>
+      <p:grpSpPr>
+        <a:xfrm>
+          <a:off x="0" y="0"/>
+          <a:ext cx="0" cy="0"/>
+          <a:chOff x="0" y="0"/>
+          <a:chExt cx="0" cy="0"/>
+        </a:xfrm>
+      </p:grpSpPr>
+      <p:sp>
+        <p:nvSpPr>
+          <p:cNvPr id="2" name="Folienbildplatzhalter 1"/>
+          <p:cNvSpPr>
+            <a:spLocks noGrp="1" noRot="1" noChangeAspect="1"/>
+          </p:cNvSpPr>
+          <p:nvPr>
+            <p:ph type="sldImg"/>
+          </p:nvPr>
+        </p:nvSpPr>
+        <p:spPr>
+          <a:xfrm>
+            <a:off x="685800" y="1143000"/>
+            <a:ext cx="4270375" cy="2401888"/>
+          </a:xfrm>
+        </p:spPr>
+      </p:sp>
+      <p:sp>
+        <p:nvSpPr>
+          <p:cNvPr id="3" name="Notizenplatzhalter 2"/>
+          <p:cNvSpPr>
+            <a:spLocks noGrp="1"/>
+          </p:cNvSpPr>
+          <p:nvPr>
+            <p:ph type="body" idx="1"/>
+          </p:nvPr>
+        </p:nvSpPr>
+        <p:spPr/>
+        <p:txBody>
+          <a:bodyPr/>
+          <a:lstStyle/>
+          <a:p>
+            <a:r>
+              <a:rPr lang="de-DE" dirty="0"/>
+              <a:t>Der 3D Würfel aus Folie 9 könnte nach abgeschlossenem Training auf eine 2D Struktur reduziert werden.</a:t>
+            </a:r>
+          </a:p>
+          <a:p>
+            <a:r>
+              <a:rPr lang="de-DE" dirty="0"/>
+              <a:t>Dies geschieht, indem nur die Aktion übernommen wird, die die höchste Zuversicht hat.</a:t>
+            </a:r>
+          </a:p>
+          <a:p>
+            <a:endParaRPr lang="de-DE" dirty="0"/>
+          </a:p>
+          <a:p>
+            <a:r>
+              <a:rPr lang="de-DE" dirty="0"/>
+              <a:t>Anmerkung, falls ein Teilnehmer nachfragt:</a:t>
+            </a:r>
+          </a:p>
+          <a:p>
+            <a:r>
+              <a:rPr lang="de-DE" dirty="0"/>
+              <a:t>Der Speicherplatzverbrauch von Python für eine Zahl bzw. einen Buchstaben ist recht hoch. </a:t>
+            </a:r>
+          </a:p>
+          <a:p>
+            <a:r>
+              <a:rPr lang="de-DE" dirty="0"/>
+              <a:t>Andere Programmiersprachen wie z.B. C oder C++ benötigen dafür nur 1 Byte (als Teil eines Arrays).</a:t>
+            </a:r>
+          </a:p>
+          <a:p>
+            <a:r>
+              <a:rPr lang="de-DE" dirty="0"/>
+              <a:t>Das liegt daran, dass Buchstaben als Objekte verwaltet werden und die Objekte einen gewissen Overhead erzeugen.</a:t>
+            </a:r>
+          </a:p>
+        </p:txBody>
+      </p:sp>
+      <p:sp>
+        <p:nvSpPr>
+          <p:cNvPr id="4" name="Foliennummernplatzhalter 3"/>
+          <p:cNvSpPr>
+            <a:spLocks noGrp="1"/>
+          </p:cNvSpPr>
+          <p:nvPr>
+            <p:ph type="sldNum" sz="quarter" idx="5"/>
+          </p:nvPr>
+        </p:nvSpPr>
+        <p:spPr/>
+        <p:txBody>
+          <a:bodyPr/>
+          <a:lstStyle/>
+          <a:p>
+            <a:fld id="{927DBD90-B360-417B-B4B3-F05A4AFC1996}" type="slidenum">
+              <a:rPr lang="de-DE" smtClean="0"/>
+              <a:pPr/>
+              <a:t>13</a:t>
+            </a:fld>
+            <a:endParaRPr lang="de-DE"/>
+          </a:p>
+        </p:txBody>
+      </p:sp>
+    </p:spTree>
+    <p:extLst>
+      <p:ext uri="{BB962C8B-B14F-4D97-AF65-F5344CB8AC3E}">
+        <p14:creationId xmlns:p14="http://schemas.microsoft.com/office/powerpoint/2010/main" val="2034602432"/>
+      </p:ext>
+    </p:extLst>
+  </p:cSld>
+  <p:clrMapOvr>
+    <a:masterClrMapping/>
+  </p:clrMapOvr>
+</p:notes>
+</file>
+
+<file path=ppt/notesSlides/notesSlide11.xml><?xml version="1.0" encoding="utf-8"?>
+<p:notes xmlns:a="http://schemas.openxmlformats.org/drawingml/2006/main" xmlns:r="http://schemas.openxmlformats.org/officeDocument/2006/relationships" xmlns:p="http://schemas.openxmlformats.org/presentationml/2006/main">
+  <p:cSld>
+    <p:spTree>
+      <p:nvGrpSpPr>
+        <p:cNvPr id="1" name=""/>
+        <p:cNvGrpSpPr/>
+        <p:nvPr/>
+      </p:nvGrpSpPr>
+      <p:grpSpPr>
+        <a:xfrm>
+          <a:off x="0" y="0"/>
+          <a:ext cx="0" cy="0"/>
+          <a:chOff x="0" y="0"/>
+          <a:chExt cx="0" cy="0"/>
+        </a:xfrm>
+      </p:grpSpPr>
+      <p:sp>
+        <p:nvSpPr>
+          <p:cNvPr id="2" name="Folienbildplatzhalter 1"/>
+          <p:cNvSpPr>
+            <a:spLocks noGrp="1" noRot="1" noChangeAspect="1"/>
+          </p:cNvSpPr>
+          <p:nvPr>
+            <p:ph type="sldImg"/>
+          </p:nvPr>
+        </p:nvSpPr>
+        <p:spPr>
+          <a:xfrm>
+            <a:off x="685800" y="1143000"/>
+            <a:ext cx="4270375" cy="2401888"/>
+          </a:xfrm>
+        </p:spPr>
+      </p:sp>
+      <p:sp>
+        <p:nvSpPr>
+          <p:cNvPr id="3" name="Notizenplatzhalter 2"/>
+          <p:cNvSpPr>
+            <a:spLocks noGrp="1"/>
+          </p:cNvSpPr>
+          <p:nvPr>
+            <p:ph type="body" idx="1"/>
+          </p:nvPr>
+        </p:nvSpPr>
+        <p:spPr/>
+        <p:txBody>
+          <a:bodyPr/>
+          <a:lstStyle/>
+          <a:p>
+            <a:r>
+              <a:rPr lang="de-DE" dirty="0"/>
+              <a:t>Der 3D Würfel aus Folie 9 könnte nach abgeschlossenem Training auf eine 2D Struktur reduziert werden.</a:t>
+            </a:r>
+          </a:p>
+          <a:p>
+            <a:r>
+              <a:rPr lang="de-DE" dirty="0"/>
+              <a:t>Dies geschieht, indem nur die Aktion übernommen wird, die die höchste Zuversicht hat.</a:t>
+            </a:r>
+          </a:p>
+        </p:txBody>
+      </p:sp>
+      <p:sp>
+        <p:nvSpPr>
+          <p:cNvPr id="4" name="Foliennummernplatzhalter 3"/>
+          <p:cNvSpPr>
+            <a:spLocks noGrp="1"/>
+          </p:cNvSpPr>
+          <p:nvPr>
+            <p:ph type="sldNum" sz="quarter" idx="5"/>
+          </p:nvPr>
+        </p:nvSpPr>
+        <p:spPr/>
+        <p:txBody>
+          <a:bodyPr/>
+          <a:lstStyle/>
+          <a:p>
+            <a:fld id="{927DBD90-B360-417B-B4B3-F05A4AFC1996}" type="slidenum">
+              <a:rPr lang="de-DE" smtClean="0"/>
+              <a:pPr/>
+              <a:t>14</a:t>
+            </a:fld>
+            <a:endParaRPr lang="de-DE"/>
+          </a:p>
+        </p:txBody>
+      </p:sp>
+    </p:spTree>
+    <p:extLst>
+      <p:ext uri="{BB962C8B-B14F-4D97-AF65-F5344CB8AC3E}">
+        <p14:creationId xmlns:p14="http://schemas.microsoft.com/office/powerpoint/2010/main" val="2197476808"/>
+      </p:ext>
+    </p:extLst>
+  </p:cSld>
+  <p:clrMapOvr>
+    <a:masterClrMapping/>
+  </p:clrMapOvr>
+</p:notes>
+</file>
+
+<file path=ppt/notesSlides/notesSlide12.xml><?xml version="1.0" encoding="utf-8"?>
+<p:notes xmlns:a="http://schemas.openxmlformats.org/drawingml/2006/main" xmlns:r="http://schemas.openxmlformats.org/officeDocument/2006/relationships" xmlns:p="http://schemas.openxmlformats.org/presentationml/2006/main">
+  <p:cSld>
+    <p:spTree>
+      <p:nvGrpSpPr>
+        <p:cNvPr id="1" name=""/>
+        <p:cNvGrpSpPr/>
+        <p:nvPr/>
+      </p:nvGrpSpPr>
+      <p:grpSpPr>
+        <a:xfrm>
+          <a:off x="0" y="0"/>
+          <a:ext cx="0" cy="0"/>
+          <a:chOff x="0" y="0"/>
+          <a:chExt cx="0" cy="0"/>
+        </a:xfrm>
+      </p:grpSpPr>
+      <p:sp>
+        <p:nvSpPr>
+          <p:cNvPr id="2" name="Folienbildplatzhalter 1"/>
+          <p:cNvSpPr>
+            <a:spLocks noGrp="1" noRot="1" noChangeAspect="1"/>
+          </p:cNvSpPr>
+          <p:nvPr>
+            <p:ph type="sldImg"/>
+          </p:nvPr>
+        </p:nvSpPr>
+        <p:spPr>
+          <a:xfrm>
+            <a:off x="685800" y="1143000"/>
+            <a:ext cx="4270375" cy="2401888"/>
+          </a:xfrm>
+        </p:spPr>
+      </p:sp>
+      <p:sp>
+        <p:nvSpPr>
+          <p:cNvPr id="3" name="Notizenplatzhalter 2"/>
+          <p:cNvSpPr>
+            <a:spLocks noGrp="1"/>
+          </p:cNvSpPr>
+          <p:nvPr>
+            <p:ph type="body" idx="1"/>
+          </p:nvPr>
+        </p:nvSpPr>
+        <p:spPr/>
+        <p:txBody>
+          <a:bodyPr/>
+          <a:lstStyle/>
+          <a:p>
+            <a:r>
+              <a:rPr lang="de-DE" dirty="0"/>
+              <a:t>Beim 3x3 Feld wurde die Position des Kopfes schon weggelassen, daher nur 2^8, nicht 2^9 Möglichkeiten</a:t>
+            </a:r>
+          </a:p>
+        </p:txBody>
+      </p:sp>
+      <p:sp>
+        <p:nvSpPr>
+          <p:cNvPr id="4" name="Foliennummernplatzhalter 3"/>
+          <p:cNvSpPr>
+            <a:spLocks noGrp="1"/>
+          </p:cNvSpPr>
+          <p:nvPr>
+            <p:ph type="sldNum" sz="quarter" idx="5"/>
+          </p:nvPr>
+        </p:nvSpPr>
+        <p:spPr/>
+        <p:txBody>
+          <a:bodyPr/>
+          <a:lstStyle/>
+          <a:p>
+            <a:fld id="{927DBD90-B360-417B-B4B3-F05A4AFC1996}" type="slidenum">
+              <a:rPr lang="de-DE" smtClean="0"/>
+              <a:pPr/>
+              <a:t>15</a:t>
+            </a:fld>
+            <a:endParaRPr lang="de-DE"/>
+          </a:p>
+        </p:txBody>
+      </p:sp>
+    </p:spTree>
+    <p:extLst>
+      <p:ext uri="{BB962C8B-B14F-4D97-AF65-F5344CB8AC3E}">
+        <p14:creationId xmlns:p14="http://schemas.microsoft.com/office/powerpoint/2010/main" val="1599376390"/>
+      </p:ext>
+    </p:extLst>
+  </p:cSld>
+  <p:clrMapOvr>
+    <a:masterClrMapping/>
+  </p:clrMapOvr>
+</p:notes>
+</file>
+
+<file path=ppt/notesSlides/notesSlide13.xml><?xml version="1.0" encoding="utf-8"?>
+<p:notes xmlns:a="http://schemas.openxmlformats.org/drawingml/2006/main" xmlns:r="http://schemas.openxmlformats.org/officeDocument/2006/relationships" xmlns:p="http://schemas.openxmlformats.org/presentationml/2006/main">
+  <p:cSld>
+    <p:spTree>
+      <p:nvGrpSpPr>
+        <p:cNvPr id="1" name=""/>
+        <p:cNvGrpSpPr/>
+        <p:nvPr/>
+      </p:nvGrpSpPr>
+      <p:grpSpPr>
+        <a:xfrm>
+          <a:off x="0" y="0"/>
+          <a:ext cx="0" cy="0"/>
+          <a:chOff x="0" y="0"/>
+          <a:chExt cx="0" cy="0"/>
+        </a:xfrm>
+      </p:grpSpPr>
+      <p:sp>
+        <p:nvSpPr>
+          <p:cNvPr id="2" name="Folienbildplatzhalter 1"/>
+          <p:cNvSpPr>
+            <a:spLocks noGrp="1" noRot="1" noChangeAspect="1"/>
+          </p:cNvSpPr>
+          <p:nvPr>
+            <p:ph type="sldImg"/>
+          </p:nvPr>
+        </p:nvSpPr>
+        <p:spPr>
+          <a:xfrm>
+            <a:off x="685800" y="1143000"/>
+            <a:ext cx="4270375" cy="2401888"/>
+          </a:xfrm>
+        </p:spPr>
+      </p:sp>
+      <p:sp>
+        <p:nvSpPr>
+          <p:cNvPr id="3" name="Notizenplatzhalter 2"/>
+          <p:cNvSpPr>
+            <a:spLocks noGrp="1"/>
+          </p:cNvSpPr>
+          <p:nvPr>
+            <p:ph type="body" idx="1"/>
+          </p:nvPr>
+        </p:nvSpPr>
+        <p:spPr/>
+        <p:txBody>
+          <a:bodyPr/>
+          <a:lstStyle/>
+          <a:p>
+            <a:r>
+              <a:rPr lang="de-DE" dirty="0"/>
+              <a:t>Die Datenmenge wurde von 2^25 auf 2^20 reduziert, d.h. um den Faktor 2^5=32 geringer. Das ist eine nicht zu unterschätzende Menge.</a:t>
+            </a:r>
+          </a:p>
+          <a:p>
+            <a:r>
+              <a:rPr lang="de-DE" dirty="0"/>
+              <a:t>Dieser Faktor reduziert z.B. von 64 GB (nicht mehr vom Raspberry Pi verarbeitbar) auf 2 GB (noch möglich)</a:t>
+            </a:r>
+          </a:p>
+        </p:txBody>
+      </p:sp>
+      <p:sp>
+        <p:nvSpPr>
+          <p:cNvPr id="4" name="Foliennummernplatzhalter 3"/>
+          <p:cNvSpPr>
+            <a:spLocks noGrp="1"/>
+          </p:cNvSpPr>
+          <p:nvPr>
+            <p:ph type="sldNum" sz="quarter" idx="5"/>
+          </p:nvPr>
+        </p:nvSpPr>
+        <p:spPr/>
+        <p:txBody>
+          <a:bodyPr/>
+          <a:lstStyle/>
+          <a:p>
+            <a:fld id="{927DBD90-B360-417B-B4B3-F05A4AFC1996}" type="slidenum">
+              <a:rPr lang="de-DE" smtClean="0"/>
+              <a:pPr/>
+              <a:t>16</a:t>
+            </a:fld>
+            <a:endParaRPr lang="de-DE"/>
+          </a:p>
+        </p:txBody>
+      </p:sp>
+    </p:spTree>
+    <p:extLst>
+      <p:ext uri="{BB962C8B-B14F-4D97-AF65-F5344CB8AC3E}">
+        <p14:creationId xmlns:p14="http://schemas.microsoft.com/office/powerpoint/2010/main" val="3168822579"/>
+      </p:ext>
+    </p:extLst>
+  </p:cSld>
+  <p:clrMapOvr>
+    <a:masterClrMapping/>
+  </p:clrMapOvr>
+</p:notes>
+</file>
+
+<file path=ppt/notesSlides/notesSlide14.xml><?xml version="1.0" encoding="utf-8"?>
+<p:notes xmlns:a="http://schemas.openxmlformats.org/drawingml/2006/main" xmlns:r="http://schemas.openxmlformats.org/officeDocument/2006/relationships" xmlns:p="http://schemas.openxmlformats.org/presentationml/2006/main">
+  <p:cSld>
+    <p:spTree>
+      <p:nvGrpSpPr>
+        <p:cNvPr id="1" name=""/>
+        <p:cNvGrpSpPr/>
+        <p:nvPr/>
+      </p:nvGrpSpPr>
+      <p:grpSpPr>
+        <a:xfrm>
+          <a:off x="0" y="0"/>
+          <a:ext cx="0" cy="0"/>
+          <a:chOff x="0" y="0"/>
+          <a:chExt cx="0" cy="0"/>
+        </a:xfrm>
+      </p:grpSpPr>
+      <p:sp>
+        <p:nvSpPr>
+          <p:cNvPr id="2" name="Folienbildplatzhalter 1"/>
+          <p:cNvSpPr>
+            <a:spLocks noGrp="1" noRot="1" noChangeAspect="1"/>
+          </p:cNvSpPr>
+          <p:nvPr>
+            <p:ph type="sldImg"/>
+          </p:nvPr>
+        </p:nvSpPr>
+        <p:spPr>
+          <a:xfrm>
+            <a:off x="685800" y="1143000"/>
+            <a:ext cx="4270375" cy="2401888"/>
+          </a:xfrm>
+        </p:spPr>
+      </p:sp>
+      <p:sp>
+        <p:nvSpPr>
+          <p:cNvPr id="3" name="Notizenplatzhalter 2"/>
+          <p:cNvSpPr>
+            <a:spLocks noGrp="1"/>
+          </p:cNvSpPr>
+          <p:nvPr>
+            <p:ph type="body" idx="1"/>
+          </p:nvPr>
+        </p:nvSpPr>
+        <p:spPr/>
+        <p:txBody>
+          <a:bodyPr/>
+          <a:lstStyle/>
+          <a:p>
+            <a:endParaRPr lang="de-DE" dirty="0"/>
+          </a:p>
+        </p:txBody>
+      </p:sp>
+      <p:sp>
+        <p:nvSpPr>
+          <p:cNvPr id="4" name="Foliennummernplatzhalter 3"/>
+          <p:cNvSpPr>
+            <a:spLocks noGrp="1"/>
+          </p:cNvSpPr>
+          <p:nvPr>
+            <p:ph type="sldNum" sz="quarter" idx="5"/>
+          </p:nvPr>
+        </p:nvSpPr>
+        <p:spPr/>
+        <p:txBody>
+          <a:bodyPr/>
+          <a:lstStyle/>
+          <a:p>
+            <a:fld id="{927DBD90-B360-417B-B4B3-F05A4AFC1996}" type="slidenum">
+              <a:rPr lang="de-DE" smtClean="0"/>
+              <a:pPr/>
+              <a:t>17</a:t>
+            </a:fld>
+            <a:endParaRPr lang="de-DE"/>
+          </a:p>
+        </p:txBody>
+      </p:sp>
+    </p:spTree>
+    <p:extLst>
+      <p:ext uri="{BB962C8B-B14F-4D97-AF65-F5344CB8AC3E}">
+        <p14:creationId xmlns:p14="http://schemas.microsoft.com/office/powerpoint/2010/main" val="633752633"/>
+      </p:ext>
+    </p:extLst>
+  </p:cSld>
+  <p:clrMapOvr>
+    <a:masterClrMapping/>
+  </p:clrMapOvr>
+</p:notes>
+</file>
+
+<file path=ppt/notesSlides/notesSlide15.xml><?xml version="1.0" encoding="utf-8"?>
+<p:notes xmlns:a="http://schemas.openxmlformats.org/drawingml/2006/main" xmlns:r="http://schemas.openxmlformats.org/officeDocument/2006/relationships" xmlns:p="http://schemas.openxmlformats.org/presentationml/2006/main">
+  <p:cSld>
+    <p:spTree>
+      <p:nvGrpSpPr>
+        <p:cNvPr id="1" name=""/>
+        <p:cNvGrpSpPr/>
+        <p:nvPr/>
+      </p:nvGrpSpPr>
+      <p:grpSpPr>
+        <a:xfrm>
+          <a:off x="0" y="0"/>
+          <a:ext cx="0" cy="0"/>
+          <a:chOff x="0" y="0"/>
+          <a:chExt cx="0" cy="0"/>
+        </a:xfrm>
+      </p:grpSpPr>
+      <p:sp>
+        <p:nvSpPr>
+          <p:cNvPr id="2" name="Folienbildplatzhalter 1"/>
+          <p:cNvSpPr>
+            <a:spLocks noGrp="1" noRot="1" noChangeAspect="1"/>
+          </p:cNvSpPr>
+          <p:nvPr>
+            <p:ph type="sldImg"/>
+          </p:nvPr>
+        </p:nvSpPr>
+        <p:spPr>
+          <a:xfrm>
+            <a:off x="685800" y="1143000"/>
+            <a:ext cx="4270375" cy="2401888"/>
+          </a:xfrm>
+        </p:spPr>
+      </p:sp>
+      <p:sp>
+        <p:nvSpPr>
+          <p:cNvPr id="3" name="Notizenplatzhalter 2"/>
+          <p:cNvSpPr>
+            <a:spLocks noGrp="1"/>
+          </p:cNvSpPr>
+          <p:nvPr>
+            <p:ph type="body" idx="1"/>
+          </p:nvPr>
+        </p:nvSpPr>
+        <p:spPr/>
+        <p:txBody>
+          <a:bodyPr/>
+          <a:lstStyle/>
+          <a:p>
+            <a:endParaRPr lang="de-DE"/>
+          </a:p>
+        </p:txBody>
+      </p:sp>
+      <p:sp>
+        <p:nvSpPr>
+          <p:cNvPr id="4" name="Foliennummernplatzhalter 3"/>
+          <p:cNvSpPr>
+            <a:spLocks noGrp="1"/>
+          </p:cNvSpPr>
+          <p:nvPr>
+            <p:ph type="sldNum" sz="quarter" idx="10"/>
+          </p:nvPr>
+        </p:nvSpPr>
+        <p:spPr/>
+        <p:txBody>
+          <a:bodyPr/>
+          <a:lstStyle/>
+          <a:p>
+            <a:fld id="{927DBD90-B360-417B-B4B3-F05A4AFC1996}" type="slidenum">
+              <a:rPr lang="de-DE" smtClean="0"/>
+              <a:t>20</a:t>
+            </a:fld>
+            <a:endParaRPr lang="de-DE"/>
+          </a:p>
+        </p:txBody>
+      </p:sp>
+    </p:spTree>
+    <p:extLst>
+      <p:ext uri="{BB962C8B-B14F-4D97-AF65-F5344CB8AC3E}">
+        <p14:creationId xmlns:p14="http://schemas.microsoft.com/office/powerpoint/2010/main" val="1052047994"/>
+      </p:ext>
+    </p:extLst>
+  </p:cSld>
+  <p:clrMapOvr>
+    <a:masterClrMapping/>
+  </p:clrMapOvr>
+</p:notes>
+</file>
+
 <file path=ppt/notesSlides/notesSlide2.xml><?xml version="1.0" encoding="utf-8"?>
 <p:notes xmlns:a="http://schemas.openxmlformats.org/drawingml/2006/main" xmlns:r="http://schemas.openxmlformats.org/officeDocument/2006/relationships" xmlns:p="http://schemas.openxmlformats.org/presentationml/2006/main">
   <p:cSld>
@@ -1247,7 +1845,63 @@
           <a:bodyPr/>
           <a:lstStyle/>
           <a:p>
+            <a:r>
+              <a:rPr lang="de-DE" dirty="0"/>
+              <a:t>Falls unser Code so aussehen würde, hätten wir eine sehr gute Lesbarkeit erreicht.</a:t>
+            </a:r>
+          </a:p>
+          <a:p>
+            <a:r>
+              <a:rPr lang="de-DE" dirty="0"/>
+              <a:t>In nur 3 Zeilen (ohne Methodendefinition) ließe sich ausdrücken, dass</a:t>
+            </a:r>
+          </a:p>
+          <a:p>
+            <a:pPr marL="171450" indent="-171450">
+              <a:buFontTx/>
+              <a:buChar char="-"/>
+            </a:pPr>
+            <a:r>
+              <a:rPr lang="de-DE" dirty="0"/>
+              <a:t>Alle möglichen/abgespeicherten Situationen durchsucht werden</a:t>
+            </a:r>
+          </a:p>
+          <a:p>
+            <a:pPr marL="171450" indent="-171450">
+              <a:buFontTx/>
+              <a:buChar char="-"/>
+            </a:pPr>
+            <a:r>
+              <a:rPr lang="de-DE" dirty="0"/>
+              <a:t>Die aktuelle Situation mit der gespeicherten Situation verglichen wird</a:t>
+            </a:r>
+          </a:p>
+          <a:p>
+            <a:pPr marL="171450" indent="-171450">
+              <a:buFontTx/>
+              <a:buChar char="-"/>
+            </a:pPr>
+            <a:r>
+              <a:rPr lang="de-DE" dirty="0"/>
+              <a:t>Die beste gespeicherte Entscheidung / Aktion in dieser Situation zurückgeliefert wird.</a:t>
+            </a:r>
+          </a:p>
+          <a:p>
+            <a:pPr marL="171450" indent="-171450">
+              <a:buFontTx/>
+              <a:buChar char="-"/>
+            </a:pPr>
             <a:endParaRPr lang="de-DE" dirty="0"/>
+          </a:p>
+          <a:p>
+            <a:pPr marL="0" indent="0">
+              <a:buFontTx/>
+              <a:buNone/>
+            </a:pPr>
+            <a:r>
+              <a:rPr lang="de-DE" dirty="0"/>
+              <a:t>Leider läuft der Code so nicht. Die rot unterschlängelten Dinge müssen noch irgendwo herkommen.</a:t>
+            </a:r>
           </a:p>
         </p:txBody>
       </p:sp>
@@ -1337,6 +1991,51 @@
           <a:bodyPr/>
           <a:lstStyle/>
           <a:p>
+            <a:r>
+              <a:rPr lang="de-DE" dirty="0"/>
+              <a:t>Heute ist es noch nicht möglich, Grafiken in den Quellcode einzufügen. Python wüsste nicht, was es mit den Grafiken anfangen soll.</a:t>
+            </a:r>
+          </a:p>
+          <a:p>
+            <a:endParaRPr lang="de-DE" dirty="0"/>
+          </a:p>
+          <a:p>
+            <a:r>
+              <a:rPr lang="de-DE" dirty="0"/>
+              <a:t>Die Situation (Grafik) enthält folgende Information:</a:t>
+            </a:r>
+          </a:p>
+          <a:p>
+            <a:pPr marL="228600" indent="-228600">
+              <a:buAutoNum type="arabicPeriod"/>
+            </a:pPr>
+            <a:r>
+              <a:rPr lang="de-DE" dirty="0"/>
+              <a:t>Grün/blau: Belegung eines Ausschnitts aus einem Spielfeld, z.B. 5x5 um den Kopf herum.</a:t>
+            </a:r>
+          </a:p>
+          <a:p>
+            <a:pPr marL="228600" indent="-228600">
+              <a:buAutoNum type="arabicPeriod"/>
+            </a:pPr>
+            <a:r>
+              <a:rPr lang="de-DE" dirty="0"/>
+              <a:t>Rot: Richtung, in die das Futter (ungefähr) liegt</a:t>
+            </a:r>
+          </a:p>
+          <a:p>
+            <a:pPr marL="228600" indent="-228600">
+              <a:buAutoNum type="arabicPeriod"/>
+            </a:pPr>
+            <a:r>
+              <a:rPr lang="de-DE" dirty="0"/>
+              <a:t>Hellblau: Beste Entscheidung in dieser Situation</a:t>
+            </a:r>
+          </a:p>
+          <a:p>
+            <a:pPr marL="0" indent="0">
+              <a:buNone/>
+            </a:pPr>
             <a:endParaRPr lang="de-DE" dirty="0"/>
           </a:p>
         </p:txBody>
@@ -1429,13 +2128,21 @@
           <a:p>
             <a:r>
               <a:rPr lang="de-DE" dirty="0"/>
-              <a:t>Die Datenmenge wurde von 2^25 auf 2^20 reduziert, d.h. um den Faktor 2^5=32 geringer. Das ist eine nicht zu unterschätzende Menge.</a:t>
-            </a:r>
-          </a:p>
-          <a:p>
+              <a:t>Es wäre möglich, die Belegung des Spielfelds als Liste aus </a:t>
+            </a:r>
+            <a:r>
+              <a:rPr lang="de-DE" dirty="0" err="1"/>
+              <a:t>boolschen</a:t>
+            </a:r>
             <a:r>
               <a:rPr lang="de-DE" dirty="0"/>
-              <a:t>Dieser Faktor reduziert z.B. von 64 GB (nicht mehr vom Raspberry Pi verarbeitbar) auf 2 GB (noch möglich)</a:t>
+              <a:t> Variablen abzulegen.</a:t>
+            </a:r>
+          </a:p>
+          <a:p>
+            <a:r>
+              <a:rPr lang="de-DE" dirty="0"/>
+              <a:t>An Stelle eines 2D Ausschnitts des Spielfeldes hätten wir eine 1-dimensionale Liste, die etwas einfacher zu handhaben ist.</a:t>
             </a:r>
           </a:p>
         </p:txBody>
@@ -1458,7 +2165,7 @@
             <a:fld id="{927DBD90-B360-417B-B4B3-F05A4AFC1996}" type="slidenum">
               <a:rPr lang="de-DE" smtClean="0"/>
               <a:pPr/>
-              <a:t>15</a:t>
+              <a:t>7</a:t>
             </a:fld>
             <a:endParaRPr lang="de-DE"/>
           </a:p>
@@ -1467,7 +2174,7 @@
     </p:spTree>
     <p:extLst>
       <p:ext uri="{BB962C8B-B14F-4D97-AF65-F5344CB8AC3E}">
-        <p14:creationId xmlns:p14="http://schemas.microsoft.com/office/powerpoint/2010/main" val="3168822579"/>
+        <p14:creationId xmlns:p14="http://schemas.microsoft.com/office/powerpoint/2010/main" val="831935122"/>
       </p:ext>
     </p:extLst>
   </p:cSld>
@@ -1526,7 +2233,16 @@
           <a:bodyPr/>
           <a:lstStyle/>
           <a:p>
-            <a:endParaRPr lang="de-DE" dirty="0"/>
+            <a:r>
+              <a:rPr lang="de-DE" dirty="0"/>
+              <a:t>Es wäre auch möglich, alle Situationen durchzunummerieren. Jede Situation wäre immer noch eindeutig identifizierbar.</a:t>
+            </a:r>
+          </a:p>
+          <a:p>
+            <a:r>
+              <a:rPr lang="de-DE" dirty="0"/>
+              <a:t>Der 2-dimensionale Ausschnitt aus dem Spielfeld würde so auf eine 0-dimensionale Zahl reduziert.</a:t>
+            </a:r>
           </a:p>
         </p:txBody>
       </p:sp>
@@ -1548,7 +2264,7 @@
             <a:fld id="{927DBD90-B360-417B-B4B3-F05A4AFC1996}" type="slidenum">
               <a:rPr lang="de-DE" smtClean="0"/>
               <a:pPr/>
-              <a:t>16</a:t>
+              <a:t>8</a:t>
             </a:fld>
             <a:endParaRPr lang="de-DE"/>
           </a:p>
@@ -1557,7 +2273,7 @@
     </p:spTree>
     <p:extLst>
       <p:ext uri="{BB962C8B-B14F-4D97-AF65-F5344CB8AC3E}">
-        <p14:creationId xmlns:p14="http://schemas.microsoft.com/office/powerpoint/2010/main" val="633752633"/>
+        <p14:creationId xmlns:p14="http://schemas.microsoft.com/office/powerpoint/2010/main" val="3581185416"/>
       </p:ext>
     </p:extLst>
   </p:cSld>
@@ -1616,7 +2332,51 @@
           <a:bodyPr/>
           <a:lstStyle/>
           <a:p>
-            <a:endParaRPr lang="de-DE"/>
+            <a:r>
+              <a:rPr lang="de-DE" dirty="0"/>
+              <a:t>Dadurch dass wir alle Situationen berücksichtigen müssen, ergibt sich aus den 0-dimensionalen Zahlen wieder ein 1-dimensionaler Zahlenstrahl.</a:t>
+            </a:r>
+          </a:p>
+          <a:p>
+            <a:r>
+              <a:rPr lang="de-DE" dirty="0"/>
+              <a:t>Zu dieser Situationsnummer kommt noch eine Achse für die möglichen Richtungen, in der das Futter liegen kann.</a:t>
+            </a:r>
+          </a:p>
+          <a:p>
+            <a:r>
+              <a:rPr lang="de-DE" dirty="0"/>
+              <a:t>Die dritte Achse wird belegt durch die </a:t>
+            </a:r>
+            <a:r>
+              <a:rPr lang="de-DE" dirty="0" err="1"/>
+              <a:t>Zuversichtlichkeiten</a:t>
+            </a:r>
+            <a:r>
+              <a:rPr lang="de-DE" dirty="0"/>
+              <a:t> für einen Zug (Aktion) der Schlange.</a:t>
+            </a:r>
+          </a:p>
+          <a:p>
+            <a:endParaRPr lang="de-DE" dirty="0"/>
+          </a:p>
+          <a:p>
+            <a:r>
+              <a:rPr lang="de-DE" dirty="0"/>
+              <a:t>War eine Aktion erfolgreich ("Schlange überlebt" oder "Schlange frisst Apfel"), kann die Zuversichtlichkeit mehr oder weniger stark erhöht werden.</a:t>
+            </a:r>
+          </a:p>
+          <a:p>
+            <a:r>
+              <a:rPr lang="de-DE" dirty="0"/>
+              <a:t>War eine Aktion schlecht ("Schlange stirbt"), kann die Zuversichtlichkeit gesenkt werden.</a:t>
+            </a:r>
+          </a:p>
+          <a:p>
+            <a:r>
+              <a:rPr lang="de-DE" dirty="0"/>
+              <a:t>Auf diese Art "lernt" die Schlange, welche Aktion sich in welcher Situation bewährt.</a:t>
+            </a:r>
           </a:p>
         </p:txBody>
       </p:sp>
@@ -1627,7 +2387,7 @@
             <a:spLocks noGrp="1"/>
           </p:cNvSpPr>
           <p:nvPr>
-            <p:ph type="sldNum" sz="quarter" idx="10"/>
+            <p:ph type="sldNum" sz="quarter" idx="5"/>
           </p:nvPr>
         </p:nvSpPr>
         <p:spPr/>
@@ -1637,7 +2397,8 @@
           <a:p>
             <a:fld id="{927DBD90-B360-417B-B4B3-F05A4AFC1996}" type="slidenum">
               <a:rPr lang="de-DE" smtClean="0"/>
-              <a:t>19</a:t>
+              <a:pPr/>
+              <a:t>9</a:t>
             </a:fld>
             <a:endParaRPr lang="de-DE"/>
           </a:p>
@@ -1646,7 +2407,361 @@
     </p:spTree>
     <p:extLst>
       <p:ext uri="{BB962C8B-B14F-4D97-AF65-F5344CB8AC3E}">
-        <p14:creationId xmlns:p14="http://schemas.microsoft.com/office/powerpoint/2010/main" val="1052047994"/>
+        <p14:creationId xmlns:p14="http://schemas.microsoft.com/office/powerpoint/2010/main" val="3712620769"/>
+      </p:ext>
+    </p:extLst>
+  </p:cSld>
+  <p:clrMapOvr>
+    <a:masterClrMapping/>
+  </p:clrMapOvr>
+</p:notes>
+</file>
+
+<file path=ppt/notesSlides/notesSlide7.xml><?xml version="1.0" encoding="utf-8"?>
+<p:notes xmlns:a="http://schemas.openxmlformats.org/drawingml/2006/main" xmlns:r="http://schemas.openxmlformats.org/officeDocument/2006/relationships" xmlns:p="http://schemas.openxmlformats.org/presentationml/2006/main">
+  <p:cSld>
+    <p:spTree>
+      <p:nvGrpSpPr>
+        <p:cNvPr id="1" name=""/>
+        <p:cNvGrpSpPr/>
+        <p:nvPr/>
+      </p:nvGrpSpPr>
+      <p:grpSpPr>
+        <a:xfrm>
+          <a:off x="0" y="0"/>
+          <a:ext cx="0" cy="0"/>
+          <a:chOff x="0" y="0"/>
+          <a:chExt cx="0" cy="0"/>
+        </a:xfrm>
+      </p:grpSpPr>
+      <p:sp>
+        <p:nvSpPr>
+          <p:cNvPr id="2" name="Folienbildplatzhalter 1"/>
+          <p:cNvSpPr>
+            <a:spLocks noGrp="1" noRot="1" noChangeAspect="1"/>
+          </p:cNvSpPr>
+          <p:nvPr>
+            <p:ph type="sldImg"/>
+          </p:nvPr>
+        </p:nvSpPr>
+        <p:spPr>
+          <a:xfrm>
+            <a:off x="685800" y="1143000"/>
+            <a:ext cx="4270375" cy="2401888"/>
+          </a:xfrm>
+        </p:spPr>
+      </p:sp>
+      <p:sp>
+        <p:nvSpPr>
+          <p:cNvPr id="3" name="Notizenplatzhalter 2"/>
+          <p:cNvSpPr>
+            <a:spLocks noGrp="1"/>
+          </p:cNvSpPr>
+          <p:nvPr>
+            <p:ph type="body" idx="1"/>
+          </p:nvPr>
+        </p:nvSpPr>
+        <p:spPr/>
+        <p:txBody>
+          <a:bodyPr/>
+          <a:lstStyle/>
+          <a:p>
+            <a:r>
+              <a:rPr lang="de-DE" dirty="0"/>
+              <a:t>Wie viele Möglichkeiten gibt es, einen 3x3 Ausschnitt des Spielfelds grün bzw. weiß anzumalen?</a:t>
+            </a:r>
+          </a:p>
+          <a:p>
+            <a:endParaRPr lang="de-DE" dirty="0"/>
+          </a:p>
+          <a:p>
+            <a:r>
+              <a:rPr lang="de-DE" dirty="0"/>
+              <a:t>Beim ersten Mal hat man 9 Kästchen zur Auswahl, von denen man eines weiß bzw. grün anmalen kann.</a:t>
+            </a:r>
+          </a:p>
+          <a:p>
+            <a:r>
+              <a:rPr lang="de-DE" dirty="0"/>
+              <a:t>Beim zweiten Mal hat man nur noch 8 Kästchen zur Auswahl.</a:t>
+            </a:r>
+          </a:p>
+          <a:p>
+            <a:r>
+              <a:rPr lang="de-DE" dirty="0"/>
+              <a:t>Usw.</a:t>
+            </a:r>
+          </a:p>
+          <a:p>
+            <a:r>
+              <a:rPr lang="de-DE" dirty="0"/>
+              <a:t>Beim letzten Mal bleibt nur noch ein Kästchen übrig, das angemalt werden darf.</a:t>
+            </a:r>
+          </a:p>
+          <a:p>
+            <a:endParaRPr lang="de-DE" dirty="0"/>
+          </a:p>
+          <a:p>
+            <a:r>
+              <a:rPr lang="de-DE" dirty="0"/>
+              <a:t>Dieser Rechenweg ist falsch: hier wird die Reihenfolge des Anmalens mit in die Anzahl einberechnet.</a:t>
+            </a:r>
+          </a:p>
+          <a:p>
+            <a:r>
+              <a:rPr lang="de-DE" dirty="0"/>
+              <a:t>Ob die Schlange stirbt oder nicht, hängt aber nicht davon ab, wann das Kästchen grün angemalt wurde, sondern nur dass es angemalt wurde.</a:t>
+            </a:r>
+          </a:p>
+          <a:p>
+            <a:endParaRPr lang="de-DE" dirty="0"/>
+          </a:p>
+          <a:p>
+            <a:r>
+              <a:rPr lang="de-DE" dirty="0"/>
+              <a:t>Die korrekte Formel zur Abschätzung der Möglichkeiten ist also wie folgt: jedes der neun Kästchen kann entweder grün angemalt sein, oder nicht.</a:t>
+            </a:r>
+          </a:p>
+        </p:txBody>
+      </p:sp>
+      <p:sp>
+        <p:nvSpPr>
+          <p:cNvPr id="4" name="Foliennummernplatzhalter 3"/>
+          <p:cNvSpPr>
+            <a:spLocks noGrp="1"/>
+          </p:cNvSpPr>
+          <p:nvPr>
+            <p:ph type="sldNum" sz="quarter" idx="5"/>
+          </p:nvPr>
+        </p:nvSpPr>
+        <p:spPr/>
+        <p:txBody>
+          <a:bodyPr/>
+          <a:lstStyle/>
+          <a:p>
+            <a:fld id="{927DBD90-B360-417B-B4B3-F05A4AFC1996}" type="slidenum">
+              <a:rPr lang="de-DE" smtClean="0"/>
+              <a:pPr/>
+              <a:t>10</a:t>
+            </a:fld>
+            <a:endParaRPr lang="de-DE"/>
+          </a:p>
+        </p:txBody>
+      </p:sp>
+    </p:spTree>
+    <p:extLst>
+      <p:ext uri="{BB962C8B-B14F-4D97-AF65-F5344CB8AC3E}">
+        <p14:creationId xmlns:p14="http://schemas.microsoft.com/office/powerpoint/2010/main" val="1835037391"/>
+      </p:ext>
+    </p:extLst>
+  </p:cSld>
+  <p:clrMapOvr>
+    <a:masterClrMapping/>
+  </p:clrMapOvr>
+</p:notes>
+</file>
+
+<file path=ppt/notesSlides/notesSlide8.xml><?xml version="1.0" encoding="utf-8"?>
+<p:notes xmlns:a="http://schemas.openxmlformats.org/drawingml/2006/main" xmlns:r="http://schemas.openxmlformats.org/officeDocument/2006/relationships" xmlns:p="http://schemas.openxmlformats.org/presentationml/2006/main">
+  <p:cSld>
+    <p:spTree>
+      <p:nvGrpSpPr>
+        <p:cNvPr id="1" name=""/>
+        <p:cNvGrpSpPr/>
+        <p:nvPr/>
+      </p:nvGrpSpPr>
+      <p:grpSpPr>
+        <a:xfrm>
+          <a:off x="0" y="0"/>
+          <a:ext cx="0" cy="0"/>
+          <a:chOff x="0" y="0"/>
+          <a:chExt cx="0" cy="0"/>
+        </a:xfrm>
+      </p:grpSpPr>
+      <p:sp>
+        <p:nvSpPr>
+          <p:cNvPr id="2" name="Folienbildplatzhalter 1"/>
+          <p:cNvSpPr>
+            <a:spLocks noGrp="1" noRot="1" noChangeAspect="1"/>
+          </p:cNvSpPr>
+          <p:nvPr>
+            <p:ph type="sldImg"/>
+          </p:nvPr>
+        </p:nvSpPr>
+        <p:spPr>
+          <a:xfrm>
+            <a:off x="685800" y="1143000"/>
+            <a:ext cx="4270375" cy="2401888"/>
+          </a:xfrm>
+        </p:spPr>
+      </p:sp>
+      <p:sp>
+        <p:nvSpPr>
+          <p:cNvPr id="3" name="Notizenplatzhalter 2"/>
+          <p:cNvSpPr>
+            <a:spLocks noGrp="1"/>
+          </p:cNvSpPr>
+          <p:nvPr>
+            <p:ph type="body" idx="1"/>
+          </p:nvPr>
+        </p:nvSpPr>
+        <p:spPr/>
+        <p:txBody>
+          <a:bodyPr/>
+          <a:lstStyle/>
+          <a:p>
+            <a:r>
+              <a:rPr lang="de-DE" dirty="0"/>
+              <a:t>Die Wahrheitsaussagen, ob ein Feld belegt ist, oder nicht, lassen sich über das Binärsystem in eine Zahl umrechnen.</a:t>
+            </a:r>
+          </a:p>
+          <a:p>
+            <a:r>
+              <a:rPr lang="de-DE" dirty="0"/>
+              <a:t>Dadurch reduziert sich die 1-dimensionale Liste auf eine 0-dimensionale Zahl.</a:t>
+            </a:r>
+          </a:p>
+          <a:p>
+            <a:r>
+              <a:rPr lang="de-DE" dirty="0"/>
+              <a:t>Auch eine Rückrechnung von der Zahl auf die Kästchen des Spielfelds wäre möglich.</a:t>
+            </a:r>
+          </a:p>
+        </p:txBody>
+      </p:sp>
+      <p:sp>
+        <p:nvSpPr>
+          <p:cNvPr id="4" name="Foliennummernplatzhalter 3"/>
+          <p:cNvSpPr>
+            <a:spLocks noGrp="1"/>
+          </p:cNvSpPr>
+          <p:nvPr>
+            <p:ph type="sldNum" sz="quarter" idx="5"/>
+          </p:nvPr>
+        </p:nvSpPr>
+        <p:spPr/>
+        <p:txBody>
+          <a:bodyPr/>
+          <a:lstStyle/>
+          <a:p>
+            <a:fld id="{927DBD90-B360-417B-B4B3-F05A4AFC1996}" type="slidenum">
+              <a:rPr lang="de-DE" smtClean="0"/>
+              <a:pPr/>
+              <a:t>11</a:t>
+            </a:fld>
+            <a:endParaRPr lang="de-DE"/>
+          </a:p>
+        </p:txBody>
+      </p:sp>
+    </p:spTree>
+    <p:extLst>
+      <p:ext uri="{BB962C8B-B14F-4D97-AF65-F5344CB8AC3E}">
+        <p14:creationId xmlns:p14="http://schemas.microsoft.com/office/powerpoint/2010/main" val="1167132127"/>
+      </p:ext>
+    </p:extLst>
+  </p:cSld>
+  <p:clrMapOvr>
+    <a:masterClrMapping/>
+  </p:clrMapOvr>
+</p:notes>
+</file>
+
+<file path=ppt/notesSlides/notesSlide9.xml><?xml version="1.0" encoding="utf-8"?>
+<p:notes xmlns:a="http://schemas.openxmlformats.org/drawingml/2006/main" xmlns:r="http://schemas.openxmlformats.org/officeDocument/2006/relationships" xmlns:p="http://schemas.openxmlformats.org/presentationml/2006/main">
+  <p:cSld>
+    <p:spTree>
+      <p:nvGrpSpPr>
+        <p:cNvPr id="1" name=""/>
+        <p:cNvGrpSpPr/>
+        <p:nvPr/>
+      </p:nvGrpSpPr>
+      <p:grpSpPr>
+        <a:xfrm>
+          <a:off x="0" y="0"/>
+          <a:ext cx="0" cy="0"/>
+          <a:chOff x="0" y="0"/>
+          <a:chExt cx="0" cy="0"/>
+        </a:xfrm>
+      </p:grpSpPr>
+      <p:sp>
+        <p:nvSpPr>
+          <p:cNvPr id="2" name="Folienbildplatzhalter 1"/>
+          <p:cNvSpPr>
+            <a:spLocks noGrp="1" noRot="1" noChangeAspect="1"/>
+          </p:cNvSpPr>
+          <p:nvPr>
+            <p:ph type="sldImg"/>
+          </p:nvPr>
+        </p:nvSpPr>
+        <p:spPr>
+          <a:xfrm>
+            <a:off x="685800" y="1143000"/>
+            <a:ext cx="4270375" cy="2401888"/>
+          </a:xfrm>
+        </p:spPr>
+      </p:sp>
+      <p:sp>
+        <p:nvSpPr>
+          <p:cNvPr id="3" name="Notizenplatzhalter 2"/>
+          <p:cNvSpPr>
+            <a:spLocks noGrp="1"/>
+          </p:cNvSpPr>
+          <p:nvPr>
+            <p:ph type="body" idx="1"/>
+          </p:nvPr>
+        </p:nvSpPr>
+        <p:spPr/>
+        <p:txBody>
+          <a:bodyPr/>
+          <a:lstStyle/>
+          <a:p>
+            <a:r>
+              <a:rPr lang="de-DE" dirty="0"/>
+              <a:t>Ein 3x3 Sichtfeld wird der Schlange nicht viel helfen.</a:t>
+            </a:r>
+          </a:p>
+          <a:p>
+            <a:r>
+              <a:rPr lang="de-DE" dirty="0"/>
+              <a:t>Das erkennt man auch an den von den Teilnehmern des Praktikums selbst programmierten Algorithmen, die (meist) nur auf das angrenzende Kästchen blicken.</a:t>
+            </a:r>
+          </a:p>
+          <a:p>
+            <a:r>
+              <a:rPr lang="de-DE" dirty="0"/>
+              <a:t>Der höchste Punktestand liegt bei diesen Algorithmen erfahrungsgemäß bei ca. 50. Das ist zwar nicht schlecht, aber auch noch weit entfernt von einem perfekten Spiel (200 erreichbare Punkte).</a:t>
+            </a:r>
+          </a:p>
+        </p:txBody>
+      </p:sp>
+      <p:sp>
+        <p:nvSpPr>
+          <p:cNvPr id="4" name="Foliennummernplatzhalter 3"/>
+          <p:cNvSpPr>
+            <a:spLocks noGrp="1"/>
+          </p:cNvSpPr>
+          <p:nvPr>
+            <p:ph type="sldNum" sz="quarter" idx="5"/>
+          </p:nvPr>
+        </p:nvSpPr>
+        <p:spPr/>
+        <p:txBody>
+          <a:bodyPr/>
+          <a:lstStyle/>
+          <a:p>
+            <a:fld id="{927DBD90-B360-417B-B4B3-F05A4AFC1996}" type="slidenum">
+              <a:rPr lang="de-DE" smtClean="0"/>
+              <a:pPr/>
+              <a:t>12</a:t>
+            </a:fld>
+            <a:endParaRPr lang="de-DE"/>
+          </a:p>
+        </p:txBody>
+      </p:sp>
+    </p:spTree>
+    <p:extLst>
+      <p:ext uri="{BB962C8B-B14F-4D97-AF65-F5344CB8AC3E}">
+        <p14:creationId xmlns:p14="http://schemas.microsoft.com/office/powerpoint/2010/main" val="2801651442"/>
       </p:ext>
     </p:extLst>
   </p:cSld>
@@ -5320,7 +6435,7 @@
             </a:br>
             <a:r>
               <a:rPr lang="de-DE" dirty="0"/>
-              <a:t>9 ∙ 8 ∙ … ∙ 1 = 9! = 362880</a:t>
+              <a:t>9 ∙ 8 ∙ 7 ∙ 6 ∙ 5 ∙ 4 ∙ 3 ∙ 2 ∙ 1 = 9! = 362880</a:t>
             </a:r>
           </a:p>
           <a:p>
@@ -5343,7 +6458,7 @@
             </a:br>
             <a:r>
               <a:rPr lang="de-DE" dirty="0"/>
-              <a:t>2 ∙ 2 ∙ … ∙ 2 = 2</a:t>
+              <a:t>2 ∙ 2 ∙ 2 ∙ 2 ∙ 2 ∙ 2 ∙ 2 ∙ 2 ∙ 2 = 2</a:t>
             </a:r>
             <a:r>
               <a:rPr lang="de-DE" baseline="30000" dirty="0"/>
@@ -5456,7 +6571,7 @@
         </p:nvSpPr>
         <p:spPr>
           <a:xfrm>
-            <a:off x="4679760" y="2828835"/>
+            <a:off x="6831945" y="2828835"/>
             <a:ext cx="721245" cy="1200329"/>
           </a:xfrm>
           <a:prstGeom prst="rect">
@@ -5497,7 +6612,7 @@
         </p:nvSpPr>
         <p:spPr>
           <a:xfrm>
-            <a:off x="4237721" y="4653248"/>
+            <a:off x="6251248" y="4737009"/>
             <a:ext cx="721245" cy="1200329"/>
           </a:xfrm>
           <a:prstGeom prst="rect">
@@ -7217,7 +8332,7 @@
         <p:spPr>
           <a:xfrm>
             <a:off x="5333368" y="5732459"/>
-            <a:ext cx="1835759" cy="369332"/>
+            <a:ext cx="2069797" cy="369332"/>
           </a:xfrm>
           <a:prstGeom prst="rect">
             <a:avLst/>
@@ -7242,7 +8357,10 @@
               <a:rPr lang="de-DE" dirty="0"/>
               <a:t>= 217</a:t>
             </a:r>
-            <a:endParaRPr lang="de-DE" baseline="-25000" dirty="0"/>
+            <a:r>
+              <a:rPr lang="de-DE" baseline="-25000" dirty="0"/>
+              <a:t>10</a:t>
+            </a:r>
           </a:p>
         </p:txBody>
       </p:sp>
@@ -9417,6 +10535,656 @@
           </p:txBody>
         </p:sp>
       </p:grpSp>
+      <p:sp>
+        <p:nvSpPr>
+          <p:cNvPr id="9" name="Freihandform: Form 8">
+            <a:extLst>
+              <a:ext uri="{FF2B5EF4-FFF2-40B4-BE49-F238E27FC236}">
+                <a16:creationId xmlns:a16="http://schemas.microsoft.com/office/drawing/2014/main" id="{5603EEC6-DD90-4FDE-AB61-6F711632CAE3}"/>
+              </a:ext>
+            </a:extLst>
+          </p:cNvPr>
+          <p:cNvSpPr/>
+          <p:nvPr/>
+        </p:nvSpPr>
+        <p:spPr>
+          <a:xfrm>
+            <a:off x="5341009" y="2821775"/>
+            <a:ext cx="1502704" cy="1516863"/>
+          </a:xfrm>
+          <a:custGeom>
+            <a:avLst/>
+            <a:gdLst>
+              <a:gd name="connsiteX0" fmla="*/ 9534 w 23971"/>
+              <a:gd name="connsiteY0" fmla="*/ 0 h 642937"/>
+              <a:gd name="connsiteX1" fmla="*/ 14296 w 23971"/>
+              <a:gd name="connsiteY1" fmla="*/ 133350 h 642937"/>
+              <a:gd name="connsiteX2" fmla="*/ 19059 w 23971"/>
+              <a:gd name="connsiteY2" fmla="*/ 252412 h 642937"/>
+              <a:gd name="connsiteX3" fmla="*/ 14296 w 23971"/>
+              <a:gd name="connsiteY3" fmla="*/ 519112 h 642937"/>
+              <a:gd name="connsiteX4" fmla="*/ 4771 w 23971"/>
+              <a:gd name="connsiteY4" fmla="*/ 600075 h 642937"/>
+              <a:gd name="connsiteX5" fmla="*/ 9 w 23971"/>
+              <a:gd name="connsiteY5" fmla="*/ 642937 h 642937"/>
+              <a:gd name="connsiteX0" fmla="*/ 4789 w 785839"/>
+              <a:gd name="connsiteY0" fmla="*/ 0 h 647699"/>
+              <a:gd name="connsiteX1" fmla="*/ 9551 w 785839"/>
+              <a:gd name="connsiteY1" fmla="*/ 133350 h 647699"/>
+              <a:gd name="connsiteX2" fmla="*/ 14314 w 785839"/>
+              <a:gd name="connsiteY2" fmla="*/ 252412 h 647699"/>
+              <a:gd name="connsiteX3" fmla="*/ 9551 w 785839"/>
+              <a:gd name="connsiteY3" fmla="*/ 519112 h 647699"/>
+              <a:gd name="connsiteX4" fmla="*/ 26 w 785839"/>
+              <a:gd name="connsiteY4" fmla="*/ 600075 h 647699"/>
+              <a:gd name="connsiteX5" fmla="*/ 785839 w 785839"/>
+              <a:gd name="connsiteY5" fmla="*/ 647699 h 647699"/>
+              <a:gd name="connsiteX0" fmla="*/ 47640 w 828690"/>
+              <a:gd name="connsiteY0" fmla="*/ 0 h 699473"/>
+              <a:gd name="connsiteX1" fmla="*/ 52402 w 828690"/>
+              <a:gd name="connsiteY1" fmla="*/ 133350 h 699473"/>
+              <a:gd name="connsiteX2" fmla="*/ 57165 w 828690"/>
+              <a:gd name="connsiteY2" fmla="*/ 252412 h 699473"/>
+              <a:gd name="connsiteX3" fmla="*/ 52402 w 828690"/>
+              <a:gd name="connsiteY3" fmla="*/ 519112 h 699473"/>
+              <a:gd name="connsiteX4" fmla="*/ 776302 w 828690"/>
+              <a:gd name="connsiteY4" fmla="*/ 690563 h 699473"/>
+              <a:gd name="connsiteX5" fmla="*/ 828690 w 828690"/>
+              <a:gd name="connsiteY5" fmla="*/ 647699 h 699473"/>
+              <a:gd name="connsiteX0" fmla="*/ 47640 w 776303"/>
+              <a:gd name="connsiteY0" fmla="*/ 738418 h 1429736"/>
+              <a:gd name="connsiteX1" fmla="*/ 52402 w 776303"/>
+              <a:gd name="connsiteY1" fmla="*/ 871768 h 1429736"/>
+              <a:gd name="connsiteX2" fmla="*/ 57165 w 776303"/>
+              <a:gd name="connsiteY2" fmla="*/ 990830 h 1429736"/>
+              <a:gd name="connsiteX3" fmla="*/ 52402 w 776303"/>
+              <a:gd name="connsiteY3" fmla="*/ 1257530 h 1429736"/>
+              <a:gd name="connsiteX4" fmla="*/ 776302 w 776303"/>
+              <a:gd name="connsiteY4" fmla="*/ 1428981 h 1429736"/>
+              <a:gd name="connsiteX5" fmla="*/ 776302 w 776303"/>
+              <a:gd name="connsiteY5" fmla="*/ 230 h 1429736"/>
+              <a:gd name="connsiteX0" fmla="*/ 24194 w 752858"/>
+              <a:gd name="connsiteY0" fmla="*/ 738418 h 1470749"/>
+              <a:gd name="connsiteX1" fmla="*/ 28956 w 752858"/>
+              <a:gd name="connsiteY1" fmla="*/ 871768 h 1470749"/>
+              <a:gd name="connsiteX2" fmla="*/ 33719 w 752858"/>
+              <a:gd name="connsiteY2" fmla="*/ 990830 h 1470749"/>
+              <a:gd name="connsiteX3" fmla="*/ 62294 w 752858"/>
+              <a:gd name="connsiteY3" fmla="*/ 1443267 h 1470749"/>
+              <a:gd name="connsiteX4" fmla="*/ 752856 w 752858"/>
+              <a:gd name="connsiteY4" fmla="*/ 1428981 h 1470749"/>
+              <a:gd name="connsiteX5" fmla="*/ 752856 w 752858"/>
+              <a:gd name="connsiteY5" fmla="*/ 230 h 1470749"/>
+              <a:gd name="connsiteX0" fmla="*/ 0 w 728670"/>
+              <a:gd name="connsiteY0" fmla="*/ 738418 h 1466917"/>
+              <a:gd name="connsiteX1" fmla="*/ 4762 w 728670"/>
+              <a:gd name="connsiteY1" fmla="*/ 871768 h 1466917"/>
+              <a:gd name="connsiteX2" fmla="*/ 9525 w 728670"/>
+              <a:gd name="connsiteY2" fmla="*/ 990830 h 1466917"/>
+              <a:gd name="connsiteX3" fmla="*/ 476250 w 728670"/>
+              <a:gd name="connsiteY3" fmla="*/ 1438505 h 1466917"/>
+              <a:gd name="connsiteX4" fmla="*/ 728662 w 728670"/>
+              <a:gd name="connsiteY4" fmla="*/ 1428981 h 1466917"/>
+              <a:gd name="connsiteX5" fmla="*/ 728662 w 728670"/>
+              <a:gd name="connsiteY5" fmla="*/ 230 h 1466917"/>
+              <a:gd name="connsiteX0" fmla="*/ 305 w 728975"/>
+              <a:gd name="connsiteY0" fmla="*/ 738418 h 1525801"/>
+              <a:gd name="connsiteX1" fmla="*/ 5067 w 728975"/>
+              <a:gd name="connsiteY1" fmla="*/ 871768 h 1525801"/>
+              <a:gd name="connsiteX2" fmla="*/ 52693 w 728975"/>
+              <a:gd name="connsiteY2" fmla="*/ 1495655 h 1525801"/>
+              <a:gd name="connsiteX3" fmla="*/ 476555 w 728975"/>
+              <a:gd name="connsiteY3" fmla="*/ 1438505 h 1525801"/>
+              <a:gd name="connsiteX4" fmla="*/ 728967 w 728975"/>
+              <a:gd name="connsiteY4" fmla="*/ 1428981 h 1525801"/>
+              <a:gd name="connsiteX5" fmla="*/ 728967 w 728975"/>
+              <a:gd name="connsiteY5" fmla="*/ 230 h 1525801"/>
+              <a:gd name="connsiteX0" fmla="*/ 11755 w 740425"/>
+              <a:gd name="connsiteY0" fmla="*/ 738418 h 1525801"/>
+              <a:gd name="connsiteX1" fmla="*/ 2229 w 740425"/>
+              <a:gd name="connsiteY1" fmla="*/ 1390880 h 1525801"/>
+              <a:gd name="connsiteX2" fmla="*/ 64143 w 740425"/>
+              <a:gd name="connsiteY2" fmla="*/ 1495655 h 1525801"/>
+              <a:gd name="connsiteX3" fmla="*/ 488005 w 740425"/>
+              <a:gd name="connsiteY3" fmla="*/ 1438505 h 1525801"/>
+              <a:gd name="connsiteX4" fmla="*/ 740417 w 740425"/>
+              <a:gd name="connsiteY4" fmla="*/ 1428981 h 1525801"/>
+              <a:gd name="connsiteX5" fmla="*/ 740417 w 740425"/>
+              <a:gd name="connsiteY5" fmla="*/ 230 h 1525801"/>
+              <a:gd name="connsiteX0" fmla="*/ 747713 w 1476383"/>
+              <a:gd name="connsiteY0" fmla="*/ 0 h 787383"/>
+              <a:gd name="connsiteX1" fmla="*/ 738187 w 1476383"/>
+              <a:gd name="connsiteY1" fmla="*/ 652462 h 787383"/>
+              <a:gd name="connsiteX2" fmla="*/ 800101 w 1476383"/>
+              <a:gd name="connsiteY2" fmla="*/ 757237 h 787383"/>
+              <a:gd name="connsiteX3" fmla="*/ 1223963 w 1476383"/>
+              <a:gd name="connsiteY3" fmla="*/ 700087 h 787383"/>
+              <a:gd name="connsiteX4" fmla="*/ 1476375 w 1476383"/>
+              <a:gd name="connsiteY4" fmla="*/ 690563 h 787383"/>
+              <a:gd name="connsiteX5" fmla="*/ 0 w 1476383"/>
+              <a:gd name="connsiteY5" fmla="*/ 700087 h 787383"/>
+              <a:gd name="connsiteX0" fmla="*/ 758353 w 1255576"/>
+              <a:gd name="connsiteY0" fmla="*/ 800152 h 1660314"/>
+              <a:gd name="connsiteX1" fmla="*/ 748827 w 1255576"/>
+              <a:gd name="connsiteY1" fmla="*/ 1452614 h 1660314"/>
+              <a:gd name="connsiteX2" fmla="*/ 810741 w 1255576"/>
+              <a:gd name="connsiteY2" fmla="*/ 1557389 h 1660314"/>
+              <a:gd name="connsiteX3" fmla="*/ 1234603 w 1255576"/>
+              <a:gd name="connsiteY3" fmla="*/ 1500239 h 1660314"/>
+              <a:gd name="connsiteX4" fmla="*/ 1115 w 1255576"/>
+              <a:gd name="connsiteY4" fmla="*/ 52 h 1660314"/>
+              <a:gd name="connsiteX5" fmla="*/ 10640 w 1255576"/>
+              <a:gd name="connsiteY5" fmla="*/ 1500239 h 1660314"/>
+              <a:gd name="connsiteX0" fmla="*/ 758353 w 1539621"/>
+              <a:gd name="connsiteY0" fmla="*/ 924596 h 1685897"/>
+              <a:gd name="connsiteX1" fmla="*/ 748827 w 1539621"/>
+              <a:gd name="connsiteY1" fmla="*/ 1577058 h 1685897"/>
+              <a:gd name="connsiteX2" fmla="*/ 810741 w 1539621"/>
+              <a:gd name="connsiteY2" fmla="*/ 1681833 h 1685897"/>
+              <a:gd name="connsiteX3" fmla="*/ 1525115 w 1539621"/>
+              <a:gd name="connsiteY3" fmla="*/ 114971 h 1685897"/>
+              <a:gd name="connsiteX4" fmla="*/ 1115 w 1539621"/>
+              <a:gd name="connsiteY4" fmla="*/ 124496 h 1685897"/>
+              <a:gd name="connsiteX5" fmla="*/ 10640 w 1539621"/>
+              <a:gd name="connsiteY5" fmla="*/ 1624683 h 1685897"/>
+              <a:gd name="connsiteX0" fmla="*/ 758353 w 1627199"/>
+              <a:gd name="connsiteY0" fmla="*/ 922128 h 1650171"/>
+              <a:gd name="connsiteX1" fmla="*/ 748827 w 1627199"/>
+              <a:gd name="connsiteY1" fmla="*/ 1574590 h 1650171"/>
+              <a:gd name="connsiteX2" fmla="*/ 1491778 w 1627199"/>
+              <a:gd name="connsiteY2" fmla="*/ 1646028 h 1650171"/>
+              <a:gd name="connsiteX3" fmla="*/ 1525115 w 1627199"/>
+              <a:gd name="connsiteY3" fmla="*/ 112503 h 1650171"/>
+              <a:gd name="connsiteX4" fmla="*/ 1115 w 1627199"/>
+              <a:gd name="connsiteY4" fmla="*/ 122028 h 1650171"/>
+              <a:gd name="connsiteX5" fmla="*/ 10640 w 1627199"/>
+              <a:gd name="connsiteY5" fmla="*/ 1622215 h 1650171"/>
+              <a:gd name="connsiteX0" fmla="*/ 758353 w 1627199"/>
+              <a:gd name="connsiteY0" fmla="*/ 922128 h 1662265"/>
+              <a:gd name="connsiteX1" fmla="*/ 763114 w 1627199"/>
+              <a:gd name="connsiteY1" fmla="*/ 1622215 h 1662265"/>
+              <a:gd name="connsiteX2" fmla="*/ 1491778 w 1627199"/>
+              <a:gd name="connsiteY2" fmla="*/ 1646028 h 1662265"/>
+              <a:gd name="connsiteX3" fmla="*/ 1525115 w 1627199"/>
+              <a:gd name="connsiteY3" fmla="*/ 112503 h 1662265"/>
+              <a:gd name="connsiteX4" fmla="*/ 1115 w 1627199"/>
+              <a:gd name="connsiteY4" fmla="*/ 122028 h 1662265"/>
+              <a:gd name="connsiteX5" fmla="*/ 10640 w 1627199"/>
+              <a:gd name="connsiteY5" fmla="*/ 1622215 h 1662265"/>
+              <a:gd name="connsiteX0" fmla="*/ 758353 w 1627199"/>
+              <a:gd name="connsiteY0" fmla="*/ 922128 h 1662265"/>
+              <a:gd name="connsiteX1" fmla="*/ 763114 w 1627199"/>
+              <a:gd name="connsiteY1" fmla="*/ 1622215 h 1662265"/>
+              <a:gd name="connsiteX2" fmla="*/ 1491778 w 1627199"/>
+              <a:gd name="connsiteY2" fmla="*/ 1646028 h 1662265"/>
+              <a:gd name="connsiteX3" fmla="*/ 1525115 w 1627199"/>
+              <a:gd name="connsiteY3" fmla="*/ 112503 h 1662265"/>
+              <a:gd name="connsiteX4" fmla="*/ 1115 w 1627199"/>
+              <a:gd name="connsiteY4" fmla="*/ 122028 h 1662265"/>
+              <a:gd name="connsiteX5" fmla="*/ 10640 w 1627199"/>
+              <a:gd name="connsiteY5" fmla="*/ 1622215 h 1662265"/>
+              <a:gd name="connsiteX0" fmla="*/ 758353 w 1627199"/>
+              <a:gd name="connsiteY0" fmla="*/ 922128 h 1683916"/>
+              <a:gd name="connsiteX1" fmla="*/ 763114 w 1627199"/>
+              <a:gd name="connsiteY1" fmla="*/ 1622215 h 1683916"/>
+              <a:gd name="connsiteX2" fmla="*/ 1491778 w 1627199"/>
+              <a:gd name="connsiteY2" fmla="*/ 1646028 h 1683916"/>
+              <a:gd name="connsiteX3" fmla="*/ 1525115 w 1627199"/>
+              <a:gd name="connsiteY3" fmla="*/ 112503 h 1683916"/>
+              <a:gd name="connsiteX4" fmla="*/ 1115 w 1627199"/>
+              <a:gd name="connsiteY4" fmla="*/ 122028 h 1683916"/>
+              <a:gd name="connsiteX5" fmla="*/ 10640 w 1627199"/>
+              <a:gd name="connsiteY5" fmla="*/ 1622215 h 1683916"/>
+              <a:gd name="connsiteX0" fmla="*/ 758353 w 1627199"/>
+              <a:gd name="connsiteY0" fmla="*/ 922128 h 1683916"/>
+              <a:gd name="connsiteX1" fmla="*/ 763114 w 1627199"/>
+              <a:gd name="connsiteY1" fmla="*/ 1622215 h 1683916"/>
+              <a:gd name="connsiteX2" fmla="*/ 1491778 w 1627199"/>
+              <a:gd name="connsiteY2" fmla="*/ 1646028 h 1683916"/>
+              <a:gd name="connsiteX3" fmla="*/ 1525115 w 1627199"/>
+              <a:gd name="connsiteY3" fmla="*/ 112503 h 1683916"/>
+              <a:gd name="connsiteX4" fmla="*/ 1115 w 1627199"/>
+              <a:gd name="connsiteY4" fmla="*/ 122028 h 1683916"/>
+              <a:gd name="connsiteX5" fmla="*/ 10640 w 1627199"/>
+              <a:gd name="connsiteY5" fmla="*/ 1622215 h 1683916"/>
+              <a:gd name="connsiteX0" fmla="*/ 758353 w 1627199"/>
+              <a:gd name="connsiteY0" fmla="*/ 922128 h 1650171"/>
+              <a:gd name="connsiteX1" fmla="*/ 763114 w 1627199"/>
+              <a:gd name="connsiteY1" fmla="*/ 1622215 h 1650171"/>
+              <a:gd name="connsiteX2" fmla="*/ 1491778 w 1627199"/>
+              <a:gd name="connsiteY2" fmla="*/ 1646028 h 1650171"/>
+              <a:gd name="connsiteX3" fmla="*/ 1525115 w 1627199"/>
+              <a:gd name="connsiteY3" fmla="*/ 112503 h 1650171"/>
+              <a:gd name="connsiteX4" fmla="*/ 1115 w 1627199"/>
+              <a:gd name="connsiteY4" fmla="*/ 122028 h 1650171"/>
+              <a:gd name="connsiteX5" fmla="*/ 10640 w 1627199"/>
+              <a:gd name="connsiteY5" fmla="*/ 1622215 h 1650171"/>
+              <a:gd name="connsiteX0" fmla="*/ 744065 w 1627199"/>
+              <a:gd name="connsiteY0" fmla="*/ 912603 h 1650171"/>
+              <a:gd name="connsiteX1" fmla="*/ 763114 w 1627199"/>
+              <a:gd name="connsiteY1" fmla="*/ 1622215 h 1650171"/>
+              <a:gd name="connsiteX2" fmla="*/ 1491778 w 1627199"/>
+              <a:gd name="connsiteY2" fmla="*/ 1646028 h 1650171"/>
+              <a:gd name="connsiteX3" fmla="*/ 1525115 w 1627199"/>
+              <a:gd name="connsiteY3" fmla="*/ 112503 h 1650171"/>
+              <a:gd name="connsiteX4" fmla="*/ 1115 w 1627199"/>
+              <a:gd name="connsiteY4" fmla="*/ 122028 h 1650171"/>
+              <a:gd name="connsiteX5" fmla="*/ 10640 w 1627199"/>
+              <a:gd name="connsiteY5" fmla="*/ 1622215 h 1650171"/>
+              <a:gd name="connsiteX0" fmla="*/ 744065 w 1587678"/>
+              <a:gd name="connsiteY0" fmla="*/ 912603 h 1646028"/>
+              <a:gd name="connsiteX1" fmla="*/ 763114 w 1587678"/>
+              <a:gd name="connsiteY1" fmla="*/ 1622215 h 1646028"/>
+              <a:gd name="connsiteX2" fmla="*/ 1491778 w 1587678"/>
+              <a:gd name="connsiteY2" fmla="*/ 1646028 h 1646028"/>
+              <a:gd name="connsiteX3" fmla="*/ 1525115 w 1587678"/>
+              <a:gd name="connsiteY3" fmla="*/ 112503 h 1646028"/>
+              <a:gd name="connsiteX4" fmla="*/ 1115 w 1587678"/>
+              <a:gd name="connsiteY4" fmla="*/ 122028 h 1646028"/>
+              <a:gd name="connsiteX5" fmla="*/ 10640 w 1587678"/>
+              <a:gd name="connsiteY5" fmla="*/ 1622215 h 1646028"/>
+              <a:gd name="connsiteX0" fmla="*/ 744065 w 1626282"/>
+              <a:gd name="connsiteY0" fmla="*/ 912603 h 1646028"/>
+              <a:gd name="connsiteX1" fmla="*/ 763114 w 1626282"/>
+              <a:gd name="connsiteY1" fmla="*/ 1622215 h 1646028"/>
+              <a:gd name="connsiteX2" fmla="*/ 1491778 w 1626282"/>
+              <a:gd name="connsiteY2" fmla="*/ 1646028 h 1646028"/>
+              <a:gd name="connsiteX3" fmla="*/ 1525115 w 1626282"/>
+              <a:gd name="connsiteY3" fmla="*/ 112503 h 1646028"/>
+              <a:gd name="connsiteX4" fmla="*/ 1115 w 1626282"/>
+              <a:gd name="connsiteY4" fmla="*/ 122028 h 1646028"/>
+              <a:gd name="connsiteX5" fmla="*/ 10640 w 1626282"/>
+              <a:gd name="connsiteY5" fmla="*/ 1622215 h 1646028"/>
+              <a:gd name="connsiteX0" fmla="*/ 744065 w 1626282"/>
+              <a:gd name="connsiteY0" fmla="*/ 912603 h 1646028"/>
+              <a:gd name="connsiteX1" fmla="*/ 763114 w 1626282"/>
+              <a:gd name="connsiteY1" fmla="*/ 1622215 h 1646028"/>
+              <a:gd name="connsiteX2" fmla="*/ 1491778 w 1626282"/>
+              <a:gd name="connsiteY2" fmla="*/ 1646028 h 1646028"/>
+              <a:gd name="connsiteX3" fmla="*/ 1525115 w 1626282"/>
+              <a:gd name="connsiteY3" fmla="*/ 112503 h 1646028"/>
+              <a:gd name="connsiteX4" fmla="*/ 1115 w 1626282"/>
+              <a:gd name="connsiteY4" fmla="*/ 122028 h 1646028"/>
+              <a:gd name="connsiteX5" fmla="*/ 10640 w 1626282"/>
+              <a:gd name="connsiteY5" fmla="*/ 1622215 h 1646028"/>
+              <a:gd name="connsiteX0" fmla="*/ 744065 w 1626282"/>
+              <a:gd name="connsiteY0" fmla="*/ 912603 h 1646028"/>
+              <a:gd name="connsiteX1" fmla="*/ 763114 w 1626282"/>
+              <a:gd name="connsiteY1" fmla="*/ 1622215 h 1646028"/>
+              <a:gd name="connsiteX2" fmla="*/ 1491778 w 1626282"/>
+              <a:gd name="connsiteY2" fmla="*/ 1646028 h 1646028"/>
+              <a:gd name="connsiteX3" fmla="*/ 1525115 w 1626282"/>
+              <a:gd name="connsiteY3" fmla="*/ 112503 h 1646028"/>
+              <a:gd name="connsiteX4" fmla="*/ 1115 w 1626282"/>
+              <a:gd name="connsiteY4" fmla="*/ 122028 h 1646028"/>
+              <a:gd name="connsiteX5" fmla="*/ 10640 w 1626282"/>
+              <a:gd name="connsiteY5" fmla="*/ 1622215 h 1646028"/>
+              <a:gd name="connsiteX0" fmla="*/ 744065 w 1525115"/>
+              <a:gd name="connsiteY0" fmla="*/ 912603 h 1646028"/>
+              <a:gd name="connsiteX1" fmla="*/ 763114 w 1525115"/>
+              <a:gd name="connsiteY1" fmla="*/ 1622215 h 1646028"/>
+              <a:gd name="connsiteX2" fmla="*/ 1491778 w 1525115"/>
+              <a:gd name="connsiteY2" fmla="*/ 1646028 h 1646028"/>
+              <a:gd name="connsiteX3" fmla="*/ 1525115 w 1525115"/>
+              <a:gd name="connsiteY3" fmla="*/ 112503 h 1646028"/>
+              <a:gd name="connsiteX4" fmla="*/ 1115 w 1525115"/>
+              <a:gd name="connsiteY4" fmla="*/ 122028 h 1646028"/>
+              <a:gd name="connsiteX5" fmla="*/ 10640 w 1525115"/>
+              <a:gd name="connsiteY5" fmla="*/ 1622215 h 1646028"/>
+              <a:gd name="connsiteX0" fmla="*/ 744065 w 1525115"/>
+              <a:gd name="connsiteY0" fmla="*/ 800100 h 1533525"/>
+              <a:gd name="connsiteX1" fmla="*/ 763114 w 1525115"/>
+              <a:gd name="connsiteY1" fmla="*/ 1509712 h 1533525"/>
+              <a:gd name="connsiteX2" fmla="*/ 1491778 w 1525115"/>
+              <a:gd name="connsiteY2" fmla="*/ 1533525 h 1533525"/>
+              <a:gd name="connsiteX3" fmla="*/ 1525115 w 1525115"/>
+              <a:gd name="connsiteY3" fmla="*/ 0 h 1533525"/>
+              <a:gd name="connsiteX4" fmla="*/ 1115 w 1525115"/>
+              <a:gd name="connsiteY4" fmla="*/ 9525 h 1533525"/>
+              <a:gd name="connsiteX5" fmla="*/ 10640 w 1525115"/>
+              <a:gd name="connsiteY5" fmla="*/ 1509712 h 1533525"/>
+              <a:gd name="connsiteX0" fmla="*/ 744065 w 1525115"/>
+              <a:gd name="connsiteY0" fmla="*/ 800100 h 1509712"/>
+              <a:gd name="connsiteX1" fmla="*/ 763114 w 1525115"/>
+              <a:gd name="connsiteY1" fmla="*/ 1509712 h 1509712"/>
+              <a:gd name="connsiteX2" fmla="*/ 1501303 w 1525115"/>
+              <a:gd name="connsiteY2" fmla="*/ 1504950 h 1509712"/>
+              <a:gd name="connsiteX3" fmla="*/ 1525115 w 1525115"/>
+              <a:gd name="connsiteY3" fmla="*/ 0 h 1509712"/>
+              <a:gd name="connsiteX4" fmla="*/ 1115 w 1525115"/>
+              <a:gd name="connsiteY4" fmla="*/ 9525 h 1509712"/>
+              <a:gd name="connsiteX5" fmla="*/ 10640 w 1525115"/>
+              <a:gd name="connsiteY5" fmla="*/ 1509712 h 1509712"/>
+              <a:gd name="connsiteX0" fmla="*/ 744065 w 1525115"/>
+              <a:gd name="connsiteY0" fmla="*/ 800100 h 1509712"/>
+              <a:gd name="connsiteX1" fmla="*/ 763114 w 1525115"/>
+              <a:gd name="connsiteY1" fmla="*/ 1509712 h 1509712"/>
+              <a:gd name="connsiteX2" fmla="*/ 1501303 w 1525115"/>
+              <a:gd name="connsiteY2" fmla="*/ 1504950 h 1509712"/>
+              <a:gd name="connsiteX3" fmla="*/ 1525115 w 1525115"/>
+              <a:gd name="connsiteY3" fmla="*/ 0 h 1509712"/>
+              <a:gd name="connsiteX4" fmla="*/ 1115 w 1525115"/>
+              <a:gd name="connsiteY4" fmla="*/ 9525 h 1509712"/>
+              <a:gd name="connsiteX5" fmla="*/ 10640 w 1525115"/>
+              <a:gd name="connsiteY5" fmla="*/ 1509712 h 1509712"/>
+              <a:gd name="connsiteX0" fmla="*/ 744065 w 1525115"/>
+              <a:gd name="connsiteY0" fmla="*/ 800100 h 1509712"/>
+              <a:gd name="connsiteX1" fmla="*/ 763114 w 1525115"/>
+              <a:gd name="connsiteY1" fmla="*/ 1509712 h 1509712"/>
+              <a:gd name="connsiteX2" fmla="*/ 1501303 w 1525115"/>
+              <a:gd name="connsiteY2" fmla="*/ 1504950 h 1509712"/>
+              <a:gd name="connsiteX3" fmla="*/ 1525115 w 1525115"/>
+              <a:gd name="connsiteY3" fmla="*/ 0 h 1509712"/>
+              <a:gd name="connsiteX4" fmla="*/ 1115 w 1525115"/>
+              <a:gd name="connsiteY4" fmla="*/ 9525 h 1509712"/>
+              <a:gd name="connsiteX5" fmla="*/ 10640 w 1525115"/>
+              <a:gd name="connsiteY5" fmla="*/ 1509712 h 1509712"/>
+              <a:gd name="connsiteX0" fmla="*/ 744065 w 1501303"/>
+              <a:gd name="connsiteY0" fmla="*/ 792963 h 1502575"/>
+              <a:gd name="connsiteX1" fmla="*/ 763114 w 1501303"/>
+              <a:gd name="connsiteY1" fmla="*/ 1502575 h 1502575"/>
+              <a:gd name="connsiteX2" fmla="*/ 1501303 w 1501303"/>
+              <a:gd name="connsiteY2" fmla="*/ 1497813 h 1502575"/>
+              <a:gd name="connsiteX3" fmla="*/ 1491778 w 1501303"/>
+              <a:gd name="connsiteY3" fmla="*/ 2388 h 1502575"/>
+              <a:gd name="connsiteX4" fmla="*/ 1115 w 1501303"/>
+              <a:gd name="connsiteY4" fmla="*/ 2388 h 1502575"/>
+              <a:gd name="connsiteX5" fmla="*/ 10640 w 1501303"/>
+              <a:gd name="connsiteY5" fmla="*/ 1502575 h 1502575"/>
+              <a:gd name="connsiteX0" fmla="*/ 852141 w 1609379"/>
+              <a:gd name="connsiteY0" fmla="*/ 792963 h 1535628"/>
+              <a:gd name="connsiteX1" fmla="*/ 871190 w 1609379"/>
+              <a:gd name="connsiteY1" fmla="*/ 1502575 h 1535628"/>
+              <a:gd name="connsiteX2" fmla="*/ 1609379 w 1609379"/>
+              <a:gd name="connsiteY2" fmla="*/ 1497813 h 1535628"/>
+              <a:gd name="connsiteX3" fmla="*/ 1599854 w 1609379"/>
+              <a:gd name="connsiteY3" fmla="*/ 2388 h 1535628"/>
+              <a:gd name="connsiteX4" fmla="*/ 109191 w 1609379"/>
+              <a:gd name="connsiteY4" fmla="*/ 2388 h 1535628"/>
+              <a:gd name="connsiteX5" fmla="*/ 113955 w 1609379"/>
+              <a:gd name="connsiteY5" fmla="*/ 1393038 h 1535628"/>
+              <a:gd name="connsiteX6" fmla="*/ 118716 w 1609379"/>
+              <a:gd name="connsiteY6" fmla="*/ 1502575 h 1535628"/>
+              <a:gd name="connsiteX0" fmla="*/ 852141 w 1609379"/>
+              <a:gd name="connsiteY0" fmla="*/ 792963 h 1544296"/>
+              <a:gd name="connsiteX1" fmla="*/ 871190 w 1609379"/>
+              <a:gd name="connsiteY1" fmla="*/ 1502575 h 1544296"/>
+              <a:gd name="connsiteX2" fmla="*/ 1609379 w 1609379"/>
+              <a:gd name="connsiteY2" fmla="*/ 1497813 h 1544296"/>
+              <a:gd name="connsiteX3" fmla="*/ 1599854 w 1609379"/>
+              <a:gd name="connsiteY3" fmla="*/ 2388 h 1544296"/>
+              <a:gd name="connsiteX4" fmla="*/ 109191 w 1609379"/>
+              <a:gd name="connsiteY4" fmla="*/ 2388 h 1544296"/>
+              <a:gd name="connsiteX5" fmla="*/ 113955 w 1609379"/>
+              <a:gd name="connsiteY5" fmla="*/ 1393038 h 1544296"/>
+              <a:gd name="connsiteX6" fmla="*/ 499716 w 1609379"/>
+              <a:gd name="connsiteY6" fmla="*/ 1521625 h 1544296"/>
+              <a:gd name="connsiteX0" fmla="*/ 852141 w 1609379"/>
+              <a:gd name="connsiteY0" fmla="*/ 792963 h 1521625"/>
+              <a:gd name="connsiteX1" fmla="*/ 871190 w 1609379"/>
+              <a:gd name="connsiteY1" fmla="*/ 1502575 h 1521625"/>
+              <a:gd name="connsiteX2" fmla="*/ 1609379 w 1609379"/>
+              <a:gd name="connsiteY2" fmla="*/ 1497813 h 1521625"/>
+              <a:gd name="connsiteX3" fmla="*/ 1599854 w 1609379"/>
+              <a:gd name="connsiteY3" fmla="*/ 2388 h 1521625"/>
+              <a:gd name="connsiteX4" fmla="*/ 109191 w 1609379"/>
+              <a:gd name="connsiteY4" fmla="*/ 2388 h 1521625"/>
+              <a:gd name="connsiteX5" fmla="*/ 113955 w 1609379"/>
+              <a:gd name="connsiteY5" fmla="*/ 1393038 h 1521625"/>
+              <a:gd name="connsiteX6" fmla="*/ 499716 w 1609379"/>
+              <a:gd name="connsiteY6" fmla="*/ 1521625 h 1521625"/>
+              <a:gd name="connsiteX0" fmla="*/ 853369 w 1610607"/>
+              <a:gd name="connsiteY0" fmla="*/ 792963 h 1534404"/>
+              <a:gd name="connsiteX1" fmla="*/ 872418 w 1610607"/>
+              <a:gd name="connsiteY1" fmla="*/ 1502575 h 1534404"/>
+              <a:gd name="connsiteX2" fmla="*/ 1610607 w 1610607"/>
+              <a:gd name="connsiteY2" fmla="*/ 1497813 h 1534404"/>
+              <a:gd name="connsiteX3" fmla="*/ 1601082 w 1610607"/>
+              <a:gd name="connsiteY3" fmla="*/ 2388 h 1534404"/>
+              <a:gd name="connsiteX4" fmla="*/ 110419 w 1610607"/>
+              <a:gd name="connsiteY4" fmla="*/ 2388 h 1534404"/>
+              <a:gd name="connsiteX5" fmla="*/ 110420 w 1610607"/>
+              <a:gd name="connsiteY5" fmla="*/ 1516863 h 1534404"/>
+              <a:gd name="connsiteX6" fmla="*/ 500944 w 1610607"/>
+              <a:gd name="connsiteY6" fmla="*/ 1521625 h 1534404"/>
+              <a:gd name="connsiteX0" fmla="*/ 853369 w 1610607"/>
+              <a:gd name="connsiteY0" fmla="*/ 792963 h 1521625"/>
+              <a:gd name="connsiteX1" fmla="*/ 872418 w 1610607"/>
+              <a:gd name="connsiteY1" fmla="*/ 1502575 h 1521625"/>
+              <a:gd name="connsiteX2" fmla="*/ 1610607 w 1610607"/>
+              <a:gd name="connsiteY2" fmla="*/ 1497813 h 1521625"/>
+              <a:gd name="connsiteX3" fmla="*/ 1601082 w 1610607"/>
+              <a:gd name="connsiteY3" fmla="*/ 2388 h 1521625"/>
+              <a:gd name="connsiteX4" fmla="*/ 110419 w 1610607"/>
+              <a:gd name="connsiteY4" fmla="*/ 2388 h 1521625"/>
+              <a:gd name="connsiteX5" fmla="*/ 110420 w 1610607"/>
+              <a:gd name="connsiteY5" fmla="*/ 1516863 h 1521625"/>
+              <a:gd name="connsiteX6" fmla="*/ 500944 w 1610607"/>
+              <a:gd name="connsiteY6" fmla="*/ 1521625 h 1521625"/>
+              <a:gd name="connsiteX0" fmla="*/ 853369 w 1610607"/>
+              <a:gd name="connsiteY0" fmla="*/ 792963 h 1521625"/>
+              <a:gd name="connsiteX1" fmla="*/ 872418 w 1610607"/>
+              <a:gd name="connsiteY1" fmla="*/ 1502575 h 1521625"/>
+              <a:gd name="connsiteX2" fmla="*/ 1610607 w 1610607"/>
+              <a:gd name="connsiteY2" fmla="*/ 1497813 h 1521625"/>
+              <a:gd name="connsiteX3" fmla="*/ 1601082 w 1610607"/>
+              <a:gd name="connsiteY3" fmla="*/ 2388 h 1521625"/>
+              <a:gd name="connsiteX4" fmla="*/ 110419 w 1610607"/>
+              <a:gd name="connsiteY4" fmla="*/ 2388 h 1521625"/>
+              <a:gd name="connsiteX5" fmla="*/ 110420 w 1610607"/>
+              <a:gd name="connsiteY5" fmla="*/ 1516863 h 1521625"/>
+              <a:gd name="connsiteX6" fmla="*/ 500944 w 1610607"/>
+              <a:gd name="connsiteY6" fmla="*/ 1521625 h 1521625"/>
+              <a:gd name="connsiteX0" fmla="*/ 745466 w 1502704"/>
+              <a:gd name="connsiteY0" fmla="*/ 792963 h 1521625"/>
+              <a:gd name="connsiteX1" fmla="*/ 764515 w 1502704"/>
+              <a:gd name="connsiteY1" fmla="*/ 1502575 h 1521625"/>
+              <a:gd name="connsiteX2" fmla="*/ 1502704 w 1502704"/>
+              <a:gd name="connsiteY2" fmla="*/ 1497813 h 1521625"/>
+              <a:gd name="connsiteX3" fmla="*/ 1493179 w 1502704"/>
+              <a:gd name="connsiteY3" fmla="*/ 2388 h 1521625"/>
+              <a:gd name="connsiteX4" fmla="*/ 2516 w 1502704"/>
+              <a:gd name="connsiteY4" fmla="*/ 2388 h 1521625"/>
+              <a:gd name="connsiteX5" fmla="*/ 2517 w 1502704"/>
+              <a:gd name="connsiteY5" fmla="*/ 1516863 h 1521625"/>
+              <a:gd name="connsiteX6" fmla="*/ 393041 w 1502704"/>
+              <a:gd name="connsiteY6" fmla="*/ 1521625 h 1521625"/>
+              <a:gd name="connsiteX0" fmla="*/ 745466 w 1502704"/>
+              <a:gd name="connsiteY0" fmla="*/ 792963 h 1521625"/>
+              <a:gd name="connsiteX1" fmla="*/ 740702 w 1502704"/>
+              <a:gd name="connsiteY1" fmla="*/ 1497812 h 1521625"/>
+              <a:gd name="connsiteX2" fmla="*/ 1502704 w 1502704"/>
+              <a:gd name="connsiteY2" fmla="*/ 1497813 h 1521625"/>
+              <a:gd name="connsiteX3" fmla="*/ 1493179 w 1502704"/>
+              <a:gd name="connsiteY3" fmla="*/ 2388 h 1521625"/>
+              <a:gd name="connsiteX4" fmla="*/ 2516 w 1502704"/>
+              <a:gd name="connsiteY4" fmla="*/ 2388 h 1521625"/>
+              <a:gd name="connsiteX5" fmla="*/ 2517 w 1502704"/>
+              <a:gd name="connsiteY5" fmla="*/ 1516863 h 1521625"/>
+              <a:gd name="connsiteX6" fmla="*/ 393041 w 1502704"/>
+              <a:gd name="connsiteY6" fmla="*/ 1521625 h 1521625"/>
+              <a:gd name="connsiteX0" fmla="*/ 745466 w 1502704"/>
+              <a:gd name="connsiteY0" fmla="*/ 792963 h 1521625"/>
+              <a:gd name="connsiteX1" fmla="*/ 740702 w 1502704"/>
+              <a:gd name="connsiteY1" fmla="*/ 1497812 h 1521625"/>
+              <a:gd name="connsiteX2" fmla="*/ 1502704 w 1502704"/>
+              <a:gd name="connsiteY2" fmla="*/ 1497813 h 1521625"/>
+              <a:gd name="connsiteX3" fmla="*/ 1493179 w 1502704"/>
+              <a:gd name="connsiteY3" fmla="*/ 2388 h 1521625"/>
+              <a:gd name="connsiteX4" fmla="*/ 2516 w 1502704"/>
+              <a:gd name="connsiteY4" fmla="*/ 2388 h 1521625"/>
+              <a:gd name="connsiteX5" fmla="*/ 2517 w 1502704"/>
+              <a:gd name="connsiteY5" fmla="*/ 1516863 h 1521625"/>
+              <a:gd name="connsiteX6" fmla="*/ 393041 w 1502704"/>
+              <a:gd name="connsiteY6" fmla="*/ 1521625 h 1521625"/>
+              <a:gd name="connsiteX0" fmla="*/ 745466 w 1502704"/>
+              <a:gd name="connsiteY0" fmla="*/ 792963 h 1521625"/>
+              <a:gd name="connsiteX1" fmla="*/ 745464 w 1502704"/>
+              <a:gd name="connsiteY1" fmla="*/ 1497812 h 1521625"/>
+              <a:gd name="connsiteX2" fmla="*/ 1502704 w 1502704"/>
+              <a:gd name="connsiteY2" fmla="*/ 1497813 h 1521625"/>
+              <a:gd name="connsiteX3" fmla="*/ 1493179 w 1502704"/>
+              <a:gd name="connsiteY3" fmla="*/ 2388 h 1521625"/>
+              <a:gd name="connsiteX4" fmla="*/ 2516 w 1502704"/>
+              <a:gd name="connsiteY4" fmla="*/ 2388 h 1521625"/>
+              <a:gd name="connsiteX5" fmla="*/ 2517 w 1502704"/>
+              <a:gd name="connsiteY5" fmla="*/ 1516863 h 1521625"/>
+              <a:gd name="connsiteX6" fmla="*/ 393041 w 1502704"/>
+              <a:gd name="connsiteY6" fmla="*/ 1521625 h 1521625"/>
+              <a:gd name="connsiteX0" fmla="*/ 745466 w 1502704"/>
+              <a:gd name="connsiteY0" fmla="*/ 792963 h 1531150"/>
+              <a:gd name="connsiteX1" fmla="*/ 745464 w 1502704"/>
+              <a:gd name="connsiteY1" fmla="*/ 1497812 h 1531150"/>
+              <a:gd name="connsiteX2" fmla="*/ 1502704 w 1502704"/>
+              <a:gd name="connsiteY2" fmla="*/ 1497813 h 1531150"/>
+              <a:gd name="connsiteX3" fmla="*/ 1493179 w 1502704"/>
+              <a:gd name="connsiteY3" fmla="*/ 2388 h 1531150"/>
+              <a:gd name="connsiteX4" fmla="*/ 2516 w 1502704"/>
+              <a:gd name="connsiteY4" fmla="*/ 2388 h 1531150"/>
+              <a:gd name="connsiteX5" fmla="*/ 2517 w 1502704"/>
+              <a:gd name="connsiteY5" fmla="*/ 1516863 h 1531150"/>
+              <a:gd name="connsiteX6" fmla="*/ 254928 w 1502704"/>
+              <a:gd name="connsiteY6" fmla="*/ 1531150 h 1531150"/>
+              <a:gd name="connsiteX0" fmla="*/ 745466 w 1502704"/>
+              <a:gd name="connsiteY0" fmla="*/ 792963 h 1516863"/>
+              <a:gd name="connsiteX1" fmla="*/ 745464 w 1502704"/>
+              <a:gd name="connsiteY1" fmla="*/ 1497812 h 1516863"/>
+              <a:gd name="connsiteX2" fmla="*/ 1502704 w 1502704"/>
+              <a:gd name="connsiteY2" fmla="*/ 1497813 h 1516863"/>
+              <a:gd name="connsiteX3" fmla="*/ 1493179 w 1502704"/>
+              <a:gd name="connsiteY3" fmla="*/ 2388 h 1516863"/>
+              <a:gd name="connsiteX4" fmla="*/ 2516 w 1502704"/>
+              <a:gd name="connsiteY4" fmla="*/ 2388 h 1516863"/>
+              <a:gd name="connsiteX5" fmla="*/ 2517 w 1502704"/>
+              <a:gd name="connsiteY5" fmla="*/ 1516863 h 1516863"/>
+              <a:gd name="connsiteX6" fmla="*/ 340653 w 1502704"/>
+              <a:gd name="connsiteY6" fmla="*/ 1507337 h 1516863"/>
+              <a:gd name="connsiteX0" fmla="*/ 745466 w 1502704"/>
+              <a:gd name="connsiteY0" fmla="*/ 792963 h 1516863"/>
+              <a:gd name="connsiteX1" fmla="*/ 745464 w 1502704"/>
+              <a:gd name="connsiteY1" fmla="*/ 1497812 h 1516863"/>
+              <a:gd name="connsiteX2" fmla="*/ 1502704 w 1502704"/>
+              <a:gd name="connsiteY2" fmla="*/ 1497813 h 1516863"/>
+              <a:gd name="connsiteX3" fmla="*/ 1493179 w 1502704"/>
+              <a:gd name="connsiteY3" fmla="*/ 2388 h 1516863"/>
+              <a:gd name="connsiteX4" fmla="*/ 2516 w 1502704"/>
+              <a:gd name="connsiteY4" fmla="*/ 2388 h 1516863"/>
+              <a:gd name="connsiteX5" fmla="*/ 2517 w 1502704"/>
+              <a:gd name="connsiteY5" fmla="*/ 1516863 h 1516863"/>
+              <a:gd name="connsiteX6" fmla="*/ 340653 w 1502704"/>
+              <a:gd name="connsiteY6" fmla="*/ 1507337 h 1516863"/>
+              <a:gd name="connsiteX0" fmla="*/ 745466 w 1502704"/>
+              <a:gd name="connsiteY0" fmla="*/ 792963 h 1516863"/>
+              <a:gd name="connsiteX1" fmla="*/ 745464 w 1502704"/>
+              <a:gd name="connsiteY1" fmla="*/ 1497812 h 1516863"/>
+              <a:gd name="connsiteX2" fmla="*/ 1502704 w 1502704"/>
+              <a:gd name="connsiteY2" fmla="*/ 1497813 h 1516863"/>
+              <a:gd name="connsiteX3" fmla="*/ 1493179 w 1502704"/>
+              <a:gd name="connsiteY3" fmla="*/ 2388 h 1516863"/>
+              <a:gd name="connsiteX4" fmla="*/ 2516 w 1502704"/>
+              <a:gd name="connsiteY4" fmla="*/ 2388 h 1516863"/>
+              <a:gd name="connsiteX5" fmla="*/ 2517 w 1502704"/>
+              <a:gd name="connsiteY5" fmla="*/ 1516863 h 1516863"/>
+              <a:gd name="connsiteX6" fmla="*/ 378753 w 1502704"/>
+              <a:gd name="connsiteY6" fmla="*/ 1512099 h 1516863"/>
+            </a:gdLst>
+            <a:ahLst/>
+            <a:cxnLst>
+              <a:cxn ang="0">
+                <a:pos x="connsiteX0" y="connsiteY0"/>
+              </a:cxn>
+              <a:cxn ang="0">
+                <a:pos x="connsiteX1" y="connsiteY1"/>
+              </a:cxn>
+              <a:cxn ang="0">
+                <a:pos x="connsiteX2" y="connsiteY2"/>
+              </a:cxn>
+              <a:cxn ang="0">
+                <a:pos x="connsiteX3" y="connsiteY3"/>
+              </a:cxn>
+              <a:cxn ang="0">
+                <a:pos x="connsiteX4" y="connsiteY4"/>
+              </a:cxn>
+              <a:cxn ang="0">
+                <a:pos x="connsiteX5" y="connsiteY5"/>
+              </a:cxn>
+              <a:cxn ang="0">
+                <a:pos x="connsiteX6" y="connsiteY6"/>
+              </a:cxn>
+            </a:cxnLst>
+            <a:rect l="l" t="t" r="r" b="b"/>
+            <a:pathLst>
+              <a:path w="1502704" h="1516863">
+                <a:moveTo>
+                  <a:pt x="745466" y="792963"/>
+                </a:moveTo>
+                <a:cubicBezTo>
+                  <a:pt x="747053" y="837413"/>
+                  <a:pt x="747052" y="1305725"/>
+                  <a:pt x="745464" y="1497812"/>
+                </a:cubicBezTo>
+                <a:lnTo>
+                  <a:pt x="1502704" y="1497813"/>
+                </a:lnTo>
+                <a:cubicBezTo>
+                  <a:pt x="1491590" y="1143800"/>
+                  <a:pt x="1489211" y="494513"/>
+                  <a:pt x="1493179" y="2388"/>
+                </a:cubicBezTo>
+                <a:cubicBezTo>
+                  <a:pt x="1044710" y="15088"/>
+                  <a:pt x="3764" y="-6970"/>
+                  <a:pt x="2516" y="2388"/>
+                </a:cubicBezTo>
+                <a:cubicBezTo>
+                  <a:pt x="-2247" y="310363"/>
+                  <a:pt x="930" y="1266832"/>
+                  <a:pt x="2517" y="1516863"/>
+                </a:cubicBezTo>
+                <a:lnTo>
+                  <a:pt x="378753" y="1512099"/>
+                </a:lnTo>
+              </a:path>
+            </a:pathLst>
+          </a:custGeom>
+          <a:noFill/>
+          <a:ln w="28575">
+            <a:solidFill>
+              <a:schemeClr val="bg1"/>
+            </a:solidFill>
+            <a:headEnd type="arrow" w="med" len="med"/>
+            <a:tailEnd type="none" w="med" len="med"/>
+          </a:ln>
+        </p:spPr>
+        <p:style>
+          <a:lnRef idx="2">
+            <a:schemeClr val="accent1">
+              <a:shade val="50000"/>
+            </a:schemeClr>
+          </a:lnRef>
+          <a:fillRef idx="1">
+            <a:schemeClr val="accent1"/>
+          </a:fillRef>
+          <a:effectRef idx="0">
+            <a:schemeClr val="accent1"/>
+          </a:effectRef>
+          <a:fontRef idx="minor">
+            <a:schemeClr val="lt1"/>
+          </a:fontRef>
+        </p:style>
+        <p:txBody>
+          <a:bodyPr rtlCol="0" anchor="ctr"/>
+          <a:lstStyle/>
+          <a:p>
+            <a:pPr algn="ctr"/>
+            <a:endParaRPr lang="de-DE">
+              <a:solidFill>
+                <a:srgbClr val="FF0000"/>
+              </a:solidFill>
+            </a:endParaRPr>
+          </a:p>
+        </p:txBody>
+      </p:sp>
     </p:spTree>
     <p:extLst>
       <p:ext uri="{BB962C8B-B14F-4D97-AF65-F5344CB8AC3E}">
@@ -9498,7 +11266,7 @@
           <a:p>
             <a:r>
               <a:rPr lang="de-DE" dirty="0"/>
-              <a:t>Ein Zahl / ein Buchstabe braucht ca. 8 Bytes Platz</a:t>
+              <a:t>Ein Zahl braucht ca. 8 Bytes Platz</a:t>
             </a:r>
           </a:p>
           <a:p>
@@ -9520,9 +11288,12 @@
             <a:endParaRPr lang="de-DE" dirty="0"/>
           </a:p>
           <a:p>
+            <a:endParaRPr lang="de-DE" dirty="0"/>
+          </a:p>
+          <a:p>
             <a:r>
               <a:rPr lang="de-DE" dirty="0"/>
-              <a:t>Wir müssen </a:t>
+              <a:t>Kombination aus </a:t>
             </a:r>
             <a:r>
               <a:rPr lang="de-DE" i="1" dirty="0"/>
@@ -9530,7 +11301,7 @@
             </a:r>
             <a:r>
               <a:rPr lang="de-DE" dirty="0"/>
-              <a:t> Situationen und </a:t>
+              <a:t> Situationen, </a:t>
             </a:r>
             <a:r>
               <a:rPr lang="de-DE" i="1" dirty="0"/>
@@ -9538,7 +11309,7 @@
             </a:r>
             <a:r>
               <a:rPr lang="de-DE" dirty="0"/>
-              <a:t> Richtungen des Futters angeben</a:t>
+              <a:t> Richtungen und 4 Aktionen</a:t>
             </a:r>
           </a:p>
         </p:txBody>
@@ -9623,6 +11394,253 @@
             <a:fld id="{3A1F27E2-D58A-4028-9FF2-B12D897F257E}" type="slidenum">
               <a:rPr lang="de-DE" smtClean="0"/>
               <a:t>13</a:t>
+            </a:fld>
+            <a:endParaRPr lang="de-DE"/>
+          </a:p>
+        </p:txBody>
+      </p:sp>
+      <p:pic>
+        <p:nvPicPr>
+          <p:cNvPr id="9" name="Grafik 8">
+            <a:extLst>
+              <a:ext uri="{FF2B5EF4-FFF2-40B4-BE49-F238E27FC236}">
+                <a16:creationId xmlns:a16="http://schemas.microsoft.com/office/drawing/2014/main" id="{FBFE64BD-63AC-4CB5-B99C-3840434243DF}"/>
+              </a:ext>
+            </a:extLst>
+          </p:cNvPr>
+          <p:cNvPicPr>
+            <a:picLocks noChangeAspect="1"/>
+          </p:cNvPicPr>
+          <p:nvPr/>
+        </p:nvPicPr>
+        <p:blipFill>
+          <a:blip r:embed="rId3">
+            <a:extLst>
+              <a:ext uri="{28A0092B-C50C-407E-A947-70E740481C1C}">
+                <a14:useLocalDpi xmlns:a14="http://schemas.microsoft.com/office/drawing/2010/main" val="0"/>
+              </a:ext>
+            </a:extLst>
+          </a:blip>
+          <a:stretch>
+            <a:fillRect/>
+          </a:stretch>
+        </p:blipFill>
+        <p:spPr>
+          <a:xfrm>
+            <a:off x="4514363" y="2128851"/>
+            <a:ext cx="3161686" cy="3153344"/>
+          </a:xfrm>
+          <a:prstGeom prst="rect">
+            <a:avLst/>
+          </a:prstGeom>
+        </p:spPr>
+      </p:pic>
+    </p:spTree>
+    <p:extLst>
+      <p:ext uri="{BB962C8B-B14F-4D97-AF65-F5344CB8AC3E}">
+        <p14:creationId xmlns:p14="http://schemas.microsoft.com/office/powerpoint/2010/main" val="469552498"/>
+      </p:ext>
+    </p:extLst>
+  </p:cSld>
+  <p:clrMapOvr>
+    <a:masterClrMapping/>
+  </p:clrMapOvr>
+</p:sld>
+</file>
+
+<file path=ppt/slides/slide14.xml><?xml version="1.0" encoding="utf-8"?>
+<p:sld xmlns:a="http://schemas.openxmlformats.org/drawingml/2006/main" xmlns:r="http://schemas.openxmlformats.org/officeDocument/2006/relationships" xmlns:p="http://schemas.openxmlformats.org/presentationml/2006/main" show="0">
+  <p:cSld>
+    <p:spTree>
+      <p:nvGrpSpPr>
+        <p:cNvPr id="1" name=""/>
+        <p:cNvGrpSpPr/>
+        <p:nvPr/>
+      </p:nvGrpSpPr>
+      <p:grpSpPr>
+        <a:xfrm>
+          <a:off x="0" y="0"/>
+          <a:ext cx="0" cy="0"/>
+          <a:chOff x="0" y="0"/>
+          <a:chExt cx="0" cy="0"/>
+        </a:xfrm>
+      </p:grpSpPr>
+      <p:sp>
+        <p:nvSpPr>
+          <p:cNvPr id="2" name="Titel 1">
+            <a:extLst>
+              <a:ext uri="{FF2B5EF4-FFF2-40B4-BE49-F238E27FC236}">
+                <a16:creationId xmlns:a16="http://schemas.microsoft.com/office/drawing/2014/main" id="{6753E66E-3E02-4A65-9676-714CBD37E032}"/>
+              </a:ext>
+            </a:extLst>
+          </p:cNvPr>
+          <p:cNvSpPr>
+            <a:spLocks noGrp="1"/>
+          </p:cNvSpPr>
+          <p:nvPr>
+            <p:ph type="title"/>
+          </p:nvPr>
+        </p:nvSpPr>
+        <p:spPr/>
+        <p:txBody>
+          <a:bodyPr/>
+          <a:lstStyle/>
+          <a:p>
+            <a:r>
+              <a:rPr lang="de-DE" dirty="0"/>
+              <a:t>Grenzen</a:t>
+            </a:r>
+          </a:p>
+        </p:txBody>
+      </p:sp>
+      <p:sp>
+        <p:nvSpPr>
+          <p:cNvPr id="3" name="Inhaltsplatzhalter 2">
+            <a:extLst>
+              <a:ext uri="{FF2B5EF4-FFF2-40B4-BE49-F238E27FC236}">
+                <a16:creationId xmlns:a16="http://schemas.microsoft.com/office/drawing/2014/main" id="{C1636553-BC8F-4CE5-8055-3D827D78D84C}"/>
+              </a:ext>
+            </a:extLst>
+          </p:cNvPr>
+          <p:cNvSpPr>
+            <a:spLocks noGrp="1"/>
+          </p:cNvSpPr>
+          <p:nvPr>
+            <p:ph idx="1"/>
+          </p:nvPr>
+        </p:nvSpPr>
+        <p:spPr/>
+        <p:txBody>
+          <a:bodyPr/>
+          <a:lstStyle/>
+          <a:p>
+            <a:r>
+              <a:rPr lang="de-DE" dirty="0"/>
+              <a:t>Auslieferung des trainierten Modells</a:t>
+            </a:r>
+          </a:p>
+          <a:p>
+            <a:endParaRPr lang="de-DE" dirty="0"/>
+          </a:p>
+          <a:p>
+            <a:endParaRPr lang="de-DE" dirty="0"/>
+          </a:p>
+          <a:p>
+            <a:endParaRPr lang="de-DE" dirty="0"/>
+          </a:p>
+          <a:p>
+            <a:endParaRPr lang="de-DE" dirty="0"/>
+          </a:p>
+          <a:p>
+            <a:endParaRPr lang="de-DE" dirty="0"/>
+          </a:p>
+          <a:p>
+            <a:endParaRPr lang="de-DE" dirty="0"/>
+          </a:p>
+          <a:p>
+            <a:r>
+              <a:rPr lang="de-DE" dirty="0"/>
+              <a:t>Kombination von </a:t>
+            </a:r>
+            <a:r>
+              <a:rPr lang="de-DE" i="1" dirty="0"/>
+              <a:t>n</a:t>
+            </a:r>
+            <a:r>
+              <a:rPr lang="de-DE" dirty="0"/>
+              <a:t> Situationen und </a:t>
+            </a:r>
+            <a:r>
+              <a:rPr lang="de-DE" i="1" dirty="0"/>
+              <a:t>m</a:t>
+            </a:r>
+            <a:r>
+              <a:rPr lang="de-DE" dirty="0"/>
+              <a:t> Richtungen des Futters</a:t>
+            </a:r>
+          </a:p>
+        </p:txBody>
+      </p:sp>
+      <p:sp>
+        <p:nvSpPr>
+          <p:cNvPr id="4" name="Datumsplatzhalter 3">
+            <a:extLst>
+              <a:ext uri="{FF2B5EF4-FFF2-40B4-BE49-F238E27FC236}">
+                <a16:creationId xmlns:a16="http://schemas.microsoft.com/office/drawing/2014/main" id="{80414A4D-263C-4487-8535-7BF92ADA18C7}"/>
+              </a:ext>
+            </a:extLst>
+          </p:cNvPr>
+          <p:cNvSpPr>
+            <a:spLocks noGrp="1"/>
+          </p:cNvSpPr>
+          <p:nvPr>
+            <p:ph type="dt" sz="half" idx="10"/>
+          </p:nvPr>
+        </p:nvSpPr>
+        <p:spPr/>
+        <p:txBody>
+          <a:bodyPr/>
+          <a:lstStyle/>
+          <a:p>
+            <a:r>
+              <a:rPr lang="de-DE"/>
+              <a:t>09.12.2019</a:t>
+            </a:r>
+          </a:p>
+        </p:txBody>
+      </p:sp>
+      <p:sp>
+        <p:nvSpPr>
+          <p:cNvPr id="5" name="Fußzeilenplatzhalter 4">
+            <a:extLst>
+              <a:ext uri="{FF2B5EF4-FFF2-40B4-BE49-F238E27FC236}">
+                <a16:creationId xmlns:a16="http://schemas.microsoft.com/office/drawing/2014/main" id="{25BBD483-FCB5-42C9-93FE-BCEC51BC3AB4}"/>
+              </a:ext>
+            </a:extLst>
+          </p:cNvPr>
+          <p:cNvSpPr>
+            <a:spLocks noGrp="1"/>
+          </p:cNvSpPr>
+          <p:nvPr>
+            <p:ph type="ftr" sz="quarter" idx="11"/>
+          </p:nvPr>
+        </p:nvSpPr>
+        <p:spPr/>
+        <p:txBody>
+          <a:bodyPr/>
+          <a:lstStyle/>
+          <a:p>
+            <a:r>
+              <a:rPr lang="de-DE"/>
+              <a:t>Von der Spaghetti-Schlange zu Q-Tables</a:t>
+            </a:r>
+          </a:p>
+        </p:txBody>
+      </p:sp>
+      <p:sp>
+        <p:nvSpPr>
+          <p:cNvPr id="6" name="Foliennummernplatzhalter 5">
+            <a:extLst>
+              <a:ext uri="{FF2B5EF4-FFF2-40B4-BE49-F238E27FC236}">
+                <a16:creationId xmlns:a16="http://schemas.microsoft.com/office/drawing/2014/main" id="{6A1C4B14-96B7-499B-A7A9-55E24C6D0E82}"/>
+              </a:ext>
+            </a:extLst>
+          </p:cNvPr>
+          <p:cNvSpPr>
+            <a:spLocks noGrp="1"/>
+          </p:cNvSpPr>
+          <p:nvPr>
+            <p:ph type="sldNum" sz="quarter" idx="12"/>
+          </p:nvPr>
+        </p:nvSpPr>
+        <p:spPr/>
+        <p:txBody>
+          <a:bodyPr/>
+          <a:lstStyle/>
+          <a:p>
+            <a:fld id="{3A1F27E2-D58A-4028-9FF2-B12D897F257E}" type="slidenum">
+              <a:rPr lang="de-DE" smtClean="0"/>
+              <a:t>14</a:t>
             </a:fld>
             <a:endParaRPr lang="de-DE"/>
           </a:p>
@@ -9643,7 +11661,7 @@
           <p:nvPr/>
         </p:nvPicPr>
         <p:blipFill>
-          <a:blip r:embed="rId2">
+          <a:blip r:embed="rId3">
             <a:extLst>
               <a:ext uri="{28A0092B-C50C-407E-A947-70E740481C1C}">
                 <a14:useLocalDpi xmlns:a14="http://schemas.microsoft.com/office/drawing/2010/main" val="0"/>
@@ -9667,246 +11685,7 @@
     </p:spTree>
     <p:extLst>
       <p:ext uri="{BB962C8B-B14F-4D97-AF65-F5344CB8AC3E}">
-        <p14:creationId xmlns:p14="http://schemas.microsoft.com/office/powerpoint/2010/main" val="469552498"/>
-      </p:ext>
-    </p:extLst>
-  </p:cSld>
-  <p:clrMapOvr>
-    <a:masterClrMapping/>
-  </p:clrMapOvr>
-</p:sld>
-</file>
-
-<file path=ppt/slides/slide14.xml><?xml version="1.0" encoding="utf-8"?>
-<p:sld xmlns:a="http://schemas.openxmlformats.org/drawingml/2006/main" xmlns:r="http://schemas.openxmlformats.org/officeDocument/2006/relationships" xmlns:p="http://schemas.openxmlformats.org/presentationml/2006/main">
-  <p:cSld>
-    <p:spTree>
-      <p:nvGrpSpPr>
-        <p:cNvPr id="1" name=""/>
-        <p:cNvGrpSpPr/>
-        <p:nvPr/>
-      </p:nvGrpSpPr>
-      <p:grpSpPr>
-        <a:xfrm>
-          <a:off x="0" y="0"/>
-          <a:ext cx="0" cy="0"/>
-          <a:chOff x="0" y="0"/>
-          <a:chExt cx="0" cy="0"/>
-        </a:xfrm>
-      </p:grpSpPr>
-      <p:sp>
-        <p:nvSpPr>
-          <p:cNvPr id="2" name="Titel 1">
-            <a:extLst>
-              <a:ext uri="{FF2B5EF4-FFF2-40B4-BE49-F238E27FC236}">
-                <a16:creationId xmlns:a16="http://schemas.microsoft.com/office/drawing/2014/main" id="{6753E66E-3E02-4A65-9676-714CBD37E032}"/>
-              </a:ext>
-            </a:extLst>
-          </p:cNvPr>
-          <p:cNvSpPr>
-            <a:spLocks noGrp="1"/>
-          </p:cNvSpPr>
-          <p:nvPr>
-            <p:ph type="title"/>
-          </p:nvPr>
-        </p:nvSpPr>
-        <p:spPr/>
-        <p:txBody>
-          <a:bodyPr/>
-          <a:lstStyle/>
-          <a:p>
-            <a:r>
-              <a:rPr lang="de-DE" dirty="0"/>
-              <a:t>Grenzen</a:t>
-            </a:r>
-          </a:p>
-        </p:txBody>
-      </p:sp>
-      <p:sp>
-        <p:nvSpPr>
-          <p:cNvPr id="3" name="Inhaltsplatzhalter 2">
-            <a:extLst>
-              <a:ext uri="{FF2B5EF4-FFF2-40B4-BE49-F238E27FC236}">
-                <a16:creationId xmlns:a16="http://schemas.microsoft.com/office/drawing/2014/main" id="{C1636553-BC8F-4CE5-8055-3D827D78D84C}"/>
-              </a:ext>
-            </a:extLst>
-          </p:cNvPr>
-          <p:cNvSpPr>
-            <a:spLocks noGrp="1"/>
-          </p:cNvSpPr>
-          <p:nvPr>
-            <p:ph idx="1"/>
-          </p:nvPr>
-        </p:nvSpPr>
-        <p:spPr/>
-        <p:txBody>
-          <a:bodyPr/>
-          <a:lstStyle/>
-          <a:p>
-            <a:r>
-              <a:rPr lang="de-DE" dirty="0"/>
-              <a:t>3*3 Feld, 4 Richtungen: 2</a:t>
-            </a:r>
-            <a:r>
-              <a:rPr lang="de-DE" baseline="30000" dirty="0"/>
-              <a:t>9 </a:t>
-            </a:r>
-            <a:r>
-              <a:rPr lang="de-DE" dirty="0"/>
-              <a:t>∙ 4 ∙ 8B = 16384 B</a:t>
-            </a:r>
-          </a:p>
-          <a:p>
-            <a:r>
-              <a:rPr lang="de-DE" dirty="0"/>
-              <a:t>5*5 Feld, 4 Richtungen: 2</a:t>
-            </a:r>
-            <a:r>
-              <a:rPr lang="de-DE" baseline="30000" dirty="0"/>
-              <a:t>25 </a:t>
-            </a:r>
-            <a:r>
-              <a:rPr lang="de-DE" dirty="0"/>
-              <a:t>∙ 4 ∙ 8B = 1.073.741.824 </a:t>
-            </a:r>
-            <a:r>
-              <a:rPr lang="de-DE" dirty="0">
-                <a:latin typeface="+mn-lt"/>
-              </a:rPr>
-              <a:t>B ≙ ca. 1 GB</a:t>
-            </a:r>
-          </a:p>
-          <a:p>
-            <a:r>
-              <a:rPr lang="de-DE" dirty="0"/>
-              <a:t>7*7 Feld, 4 Richtungen: 2</a:t>
-            </a:r>
-            <a:r>
-              <a:rPr lang="de-DE" baseline="30000" dirty="0"/>
-              <a:t>49 </a:t>
-            </a:r>
-            <a:r>
-              <a:rPr lang="de-DE" dirty="0"/>
-              <a:t>∙ 4 ∙ 8B ≙ ca. 18014 TB</a:t>
-            </a:r>
-          </a:p>
-          <a:p>
-            <a:endParaRPr lang="de-DE" dirty="0"/>
-          </a:p>
-          <a:p>
-            <a:pPr marL="0" indent="0">
-              <a:buNone/>
-            </a:pPr>
-            <a:r>
-              <a:rPr lang="de-DE" dirty="0">
-                <a:sym typeface="Wingdings" panose="05000000000000000000" pitchFamily="2" charset="2"/>
-              </a:rPr>
-              <a:t> Wir brauchen eine Möglichkeit zur Reduzierung der Datenmenge</a:t>
-            </a:r>
-            <a:endParaRPr lang="de-DE" dirty="0"/>
-          </a:p>
-          <a:p>
-            <a:endParaRPr lang="de-DE" dirty="0">
-              <a:latin typeface="+mn-lt"/>
-            </a:endParaRPr>
-          </a:p>
-          <a:p>
-            <a:endParaRPr lang="de-DE" dirty="0"/>
-          </a:p>
-          <a:p>
-            <a:endParaRPr lang="de-DE" dirty="0"/>
-          </a:p>
-        </p:txBody>
-      </p:sp>
-      <p:sp>
-        <p:nvSpPr>
-          <p:cNvPr id="4" name="Datumsplatzhalter 3">
-            <a:extLst>
-              <a:ext uri="{FF2B5EF4-FFF2-40B4-BE49-F238E27FC236}">
-                <a16:creationId xmlns:a16="http://schemas.microsoft.com/office/drawing/2014/main" id="{80414A4D-263C-4487-8535-7BF92ADA18C7}"/>
-              </a:ext>
-            </a:extLst>
-          </p:cNvPr>
-          <p:cNvSpPr>
-            <a:spLocks noGrp="1"/>
-          </p:cNvSpPr>
-          <p:nvPr>
-            <p:ph type="dt" sz="half" idx="10"/>
-          </p:nvPr>
-        </p:nvSpPr>
-        <p:spPr/>
-        <p:txBody>
-          <a:bodyPr/>
-          <a:lstStyle/>
-          <a:p>
-            <a:r>
-              <a:rPr lang="de-DE"/>
-              <a:t>09.12.2019</a:t>
-            </a:r>
-          </a:p>
-        </p:txBody>
-      </p:sp>
-      <p:sp>
-        <p:nvSpPr>
-          <p:cNvPr id="5" name="Fußzeilenplatzhalter 4">
-            <a:extLst>
-              <a:ext uri="{FF2B5EF4-FFF2-40B4-BE49-F238E27FC236}">
-                <a16:creationId xmlns:a16="http://schemas.microsoft.com/office/drawing/2014/main" id="{25BBD483-FCB5-42C9-93FE-BCEC51BC3AB4}"/>
-              </a:ext>
-            </a:extLst>
-          </p:cNvPr>
-          <p:cNvSpPr>
-            <a:spLocks noGrp="1"/>
-          </p:cNvSpPr>
-          <p:nvPr>
-            <p:ph type="ftr" sz="quarter" idx="11"/>
-          </p:nvPr>
-        </p:nvSpPr>
-        <p:spPr/>
-        <p:txBody>
-          <a:bodyPr/>
-          <a:lstStyle/>
-          <a:p>
-            <a:r>
-              <a:rPr lang="de-DE"/>
-              <a:t>Von der Spaghetti-Schlange zu Q-Tables</a:t>
-            </a:r>
-          </a:p>
-        </p:txBody>
-      </p:sp>
-      <p:sp>
-        <p:nvSpPr>
-          <p:cNvPr id="6" name="Foliennummernplatzhalter 5">
-            <a:extLst>
-              <a:ext uri="{FF2B5EF4-FFF2-40B4-BE49-F238E27FC236}">
-                <a16:creationId xmlns:a16="http://schemas.microsoft.com/office/drawing/2014/main" id="{6A1C4B14-96B7-499B-A7A9-55E24C6D0E82}"/>
-              </a:ext>
-            </a:extLst>
-          </p:cNvPr>
-          <p:cNvSpPr>
-            <a:spLocks noGrp="1"/>
-          </p:cNvSpPr>
-          <p:nvPr>
-            <p:ph type="sldNum" sz="quarter" idx="12"/>
-          </p:nvPr>
-        </p:nvSpPr>
-        <p:spPr/>
-        <p:txBody>
-          <a:bodyPr/>
-          <a:lstStyle/>
-          <a:p>
-            <a:fld id="{3A1F27E2-D58A-4028-9FF2-B12D897F257E}" type="slidenum">
-              <a:rPr lang="de-DE" smtClean="0"/>
-              <a:t>14</a:t>
-            </a:fld>
-            <a:endParaRPr lang="de-DE"/>
-          </a:p>
-        </p:txBody>
-      </p:sp>
-    </p:spTree>
-    <p:extLst>
-      <p:ext uri="{BB962C8B-B14F-4D97-AF65-F5344CB8AC3E}">
-        <p14:creationId xmlns:p14="http://schemas.microsoft.com/office/powerpoint/2010/main" val="3516283938"/>
+        <p14:creationId xmlns:p14="http://schemas.microsoft.com/office/powerpoint/2010/main" val="1827521406"/>
       </p:ext>
     </p:extLst>
   </p:cSld>
@@ -9938,6 +11717,264 @@
           <p:cNvPr id="2" name="Titel 1">
             <a:extLst>
               <a:ext uri="{FF2B5EF4-FFF2-40B4-BE49-F238E27FC236}">
+                <a16:creationId xmlns:a16="http://schemas.microsoft.com/office/drawing/2014/main" id="{6753E66E-3E02-4A65-9676-714CBD37E032}"/>
+              </a:ext>
+            </a:extLst>
+          </p:cNvPr>
+          <p:cNvSpPr>
+            <a:spLocks noGrp="1"/>
+          </p:cNvSpPr>
+          <p:nvPr>
+            <p:ph type="title"/>
+          </p:nvPr>
+        </p:nvSpPr>
+        <p:spPr/>
+        <p:txBody>
+          <a:bodyPr/>
+          <a:lstStyle/>
+          <a:p>
+            <a:r>
+              <a:rPr lang="de-DE" dirty="0"/>
+              <a:t>Grenzen</a:t>
+            </a:r>
+          </a:p>
+        </p:txBody>
+      </p:sp>
+      <p:sp>
+        <p:nvSpPr>
+          <p:cNvPr id="3" name="Inhaltsplatzhalter 2">
+            <a:extLst>
+              <a:ext uri="{FF2B5EF4-FFF2-40B4-BE49-F238E27FC236}">
+                <a16:creationId xmlns:a16="http://schemas.microsoft.com/office/drawing/2014/main" id="{C1636553-BC8F-4CE5-8055-3D827D78D84C}"/>
+              </a:ext>
+            </a:extLst>
+          </p:cNvPr>
+          <p:cNvSpPr>
+            <a:spLocks noGrp="1"/>
+          </p:cNvSpPr>
+          <p:nvPr>
+            <p:ph idx="1"/>
+          </p:nvPr>
+        </p:nvSpPr>
+        <p:spPr>
+          <a:xfrm>
+            <a:off x="838200" y="1520825"/>
+            <a:ext cx="11002701" cy="4645025"/>
+          </a:xfrm>
+        </p:spPr>
+        <p:txBody>
+          <a:bodyPr/>
+          <a:lstStyle/>
+          <a:p>
+            <a:r>
+              <a:rPr lang="de-DE" dirty="0"/>
+              <a:t>3×3 Feld, 5 ∡, 4 Aktionen: 2</a:t>
+            </a:r>
+            <a:r>
+              <a:rPr lang="de-DE" baseline="30000" dirty="0"/>
+              <a:t>8 </a:t>
+            </a:r>
+            <a:r>
+              <a:rPr lang="de-DE" dirty="0"/>
+              <a:t>∙ 5 ∙ 4 ∙ 8B = 40.960 B</a:t>
+            </a:r>
+          </a:p>
+          <a:p>
+            <a:r>
+              <a:rPr lang="de-DE" dirty="0"/>
+              <a:t>5×5 Feld, 5 ∡, 4 Aktionen: 2</a:t>
+            </a:r>
+            <a:r>
+              <a:rPr lang="de-DE" baseline="30000" dirty="0"/>
+              <a:t>24 </a:t>
+            </a:r>
+            <a:r>
+              <a:rPr lang="de-DE" dirty="0"/>
+              <a:t>∙ 5 ∙ 4 ∙ 8B = </a:t>
+            </a:r>
+            <a:r>
+              <a:rPr lang="sv-SE" dirty="0"/>
+              <a:t>2.684.354.560 </a:t>
+            </a:r>
+            <a:r>
+              <a:rPr lang="de-DE" dirty="0">
+                <a:latin typeface="+mn-lt"/>
+              </a:rPr>
+              <a:t>B </a:t>
+            </a:r>
+            <a:r>
+              <a:rPr lang="de-DE" dirty="0"/>
+              <a:t>≈ </a:t>
+            </a:r>
+            <a:r>
+              <a:rPr lang="de-DE" dirty="0">
+                <a:latin typeface="+mn-lt"/>
+              </a:rPr>
+              <a:t>2,6 GB</a:t>
+            </a:r>
+          </a:p>
+          <a:p>
+            <a:r>
+              <a:rPr lang="de-DE" dirty="0"/>
+              <a:t>7×7 Feld, 5 ∡, 4 Aktionen: 2</a:t>
+            </a:r>
+            <a:r>
+              <a:rPr lang="de-DE" baseline="30000" dirty="0"/>
+              <a:t>48 </a:t>
+            </a:r>
+            <a:r>
+              <a:rPr lang="de-DE" dirty="0"/>
+              <a:t>∙ 5 ∙ 4 ∙ 8B ≈ 45.000 TB</a:t>
+            </a:r>
+          </a:p>
+          <a:p>
+            <a:endParaRPr lang="de-DE" dirty="0"/>
+          </a:p>
+          <a:p>
+            <a:pPr marL="0" indent="0">
+              <a:buNone/>
+            </a:pPr>
+            <a:r>
+              <a:rPr lang="de-DE" dirty="0">
+                <a:sym typeface="Wingdings" panose="05000000000000000000" pitchFamily="2" charset="2"/>
+              </a:rPr>
+              <a:t> Wir brauchen eine Möglichkeit zur Reduzierung der Datenmenge</a:t>
+            </a:r>
+            <a:endParaRPr lang="de-DE" dirty="0"/>
+          </a:p>
+          <a:p>
+            <a:endParaRPr lang="de-DE" dirty="0">
+              <a:latin typeface="+mn-lt"/>
+            </a:endParaRPr>
+          </a:p>
+          <a:p>
+            <a:endParaRPr lang="de-DE" dirty="0"/>
+          </a:p>
+          <a:p>
+            <a:endParaRPr lang="de-DE" dirty="0"/>
+          </a:p>
+        </p:txBody>
+      </p:sp>
+      <p:sp>
+        <p:nvSpPr>
+          <p:cNvPr id="4" name="Datumsplatzhalter 3">
+            <a:extLst>
+              <a:ext uri="{FF2B5EF4-FFF2-40B4-BE49-F238E27FC236}">
+                <a16:creationId xmlns:a16="http://schemas.microsoft.com/office/drawing/2014/main" id="{80414A4D-263C-4487-8535-7BF92ADA18C7}"/>
+              </a:ext>
+            </a:extLst>
+          </p:cNvPr>
+          <p:cNvSpPr>
+            <a:spLocks noGrp="1"/>
+          </p:cNvSpPr>
+          <p:nvPr>
+            <p:ph type="dt" sz="half" idx="10"/>
+          </p:nvPr>
+        </p:nvSpPr>
+        <p:spPr/>
+        <p:txBody>
+          <a:bodyPr/>
+          <a:lstStyle/>
+          <a:p>
+            <a:r>
+              <a:rPr lang="de-DE"/>
+              <a:t>09.12.2019</a:t>
+            </a:r>
+          </a:p>
+        </p:txBody>
+      </p:sp>
+      <p:sp>
+        <p:nvSpPr>
+          <p:cNvPr id="5" name="Fußzeilenplatzhalter 4">
+            <a:extLst>
+              <a:ext uri="{FF2B5EF4-FFF2-40B4-BE49-F238E27FC236}">
+                <a16:creationId xmlns:a16="http://schemas.microsoft.com/office/drawing/2014/main" id="{25BBD483-FCB5-42C9-93FE-BCEC51BC3AB4}"/>
+              </a:ext>
+            </a:extLst>
+          </p:cNvPr>
+          <p:cNvSpPr>
+            <a:spLocks noGrp="1"/>
+          </p:cNvSpPr>
+          <p:nvPr>
+            <p:ph type="ftr" sz="quarter" idx="11"/>
+          </p:nvPr>
+        </p:nvSpPr>
+        <p:spPr/>
+        <p:txBody>
+          <a:bodyPr/>
+          <a:lstStyle/>
+          <a:p>
+            <a:r>
+              <a:rPr lang="de-DE"/>
+              <a:t>Von der Spaghetti-Schlange zu Q-Tables</a:t>
+            </a:r>
+          </a:p>
+        </p:txBody>
+      </p:sp>
+      <p:sp>
+        <p:nvSpPr>
+          <p:cNvPr id="6" name="Foliennummernplatzhalter 5">
+            <a:extLst>
+              <a:ext uri="{FF2B5EF4-FFF2-40B4-BE49-F238E27FC236}">
+                <a16:creationId xmlns:a16="http://schemas.microsoft.com/office/drawing/2014/main" id="{6A1C4B14-96B7-499B-A7A9-55E24C6D0E82}"/>
+              </a:ext>
+            </a:extLst>
+          </p:cNvPr>
+          <p:cNvSpPr>
+            <a:spLocks noGrp="1"/>
+          </p:cNvSpPr>
+          <p:nvPr>
+            <p:ph type="sldNum" sz="quarter" idx="12"/>
+          </p:nvPr>
+        </p:nvSpPr>
+        <p:spPr/>
+        <p:txBody>
+          <a:bodyPr/>
+          <a:lstStyle/>
+          <a:p>
+            <a:fld id="{3A1F27E2-D58A-4028-9FF2-B12D897F257E}" type="slidenum">
+              <a:rPr lang="de-DE" smtClean="0"/>
+              <a:t>15</a:t>
+            </a:fld>
+            <a:endParaRPr lang="de-DE"/>
+          </a:p>
+        </p:txBody>
+      </p:sp>
+    </p:spTree>
+    <p:extLst>
+      <p:ext uri="{BB962C8B-B14F-4D97-AF65-F5344CB8AC3E}">
+        <p14:creationId xmlns:p14="http://schemas.microsoft.com/office/powerpoint/2010/main" val="3516283938"/>
+      </p:ext>
+    </p:extLst>
+  </p:cSld>
+  <p:clrMapOvr>
+    <a:masterClrMapping/>
+  </p:clrMapOvr>
+</p:sld>
+</file>
+
+<file path=ppt/slides/slide16.xml><?xml version="1.0" encoding="utf-8"?>
+<p:sld xmlns:a="http://schemas.openxmlformats.org/drawingml/2006/main" xmlns:r="http://schemas.openxmlformats.org/officeDocument/2006/relationships" xmlns:p="http://schemas.openxmlformats.org/presentationml/2006/main">
+  <p:cSld>
+    <p:spTree>
+      <p:nvGrpSpPr>
+        <p:cNvPr id="1" name=""/>
+        <p:cNvGrpSpPr/>
+        <p:nvPr/>
+      </p:nvGrpSpPr>
+      <p:grpSpPr>
+        <a:xfrm>
+          <a:off x="0" y="0"/>
+          <a:ext cx="0" cy="0"/>
+          <a:chOff x="0" y="0"/>
+          <a:chExt cx="0" cy="0"/>
+        </a:xfrm>
+      </p:grpSpPr>
+      <p:sp>
+        <p:nvSpPr>
+          <p:cNvPr id="2" name="Titel 1">
+            <a:extLst>
+              <a:ext uri="{FF2B5EF4-FFF2-40B4-BE49-F238E27FC236}">
                 <a16:creationId xmlns:a16="http://schemas.microsoft.com/office/drawing/2014/main" id="{F8375206-1226-436B-92E4-595E6C5E5680}"/>
               </a:ext>
             </a:extLst>
@@ -10075,7 +12112,7 @@
           <a:p>
             <a:fld id="{3A1F27E2-D58A-4028-9FF2-B12D897F257E}" type="slidenum">
               <a:rPr lang="de-DE" smtClean="0"/>
-              <a:t>15</a:t>
+              <a:t>16</a:t>
             </a:fld>
             <a:endParaRPr lang="de-DE"/>
           </a:p>
@@ -10094,7 +12131,7 @@
 </p:sld>
 </file>
 
-<file path=ppt/slides/slide16.xml><?xml version="1.0" encoding="utf-8"?>
+<file path=ppt/slides/slide17.xml><?xml version="1.0" encoding="utf-8"?>
 <p:sld xmlns:a="http://schemas.openxmlformats.org/drawingml/2006/main" xmlns:r="http://schemas.openxmlformats.org/officeDocument/2006/relationships" xmlns:p="http://schemas.openxmlformats.org/presentationml/2006/main">
   <p:cSld>
     <p:spTree>
@@ -10254,7 +12291,7 @@
           <a:p>
             <a:fld id="{3A1F27E2-D58A-4028-9FF2-B12D897F257E}" type="slidenum">
               <a:rPr lang="de-DE" smtClean="0"/>
-              <a:t>16</a:t>
+              <a:t>17</a:t>
             </a:fld>
             <a:endParaRPr lang="de-DE"/>
           </a:p>
@@ -10292,231 +12329,6 @@
     <p:extLst>
       <p:ext uri="{BB962C8B-B14F-4D97-AF65-F5344CB8AC3E}">
         <p14:creationId xmlns:p14="http://schemas.microsoft.com/office/powerpoint/2010/main" val="3277758676"/>
-      </p:ext>
-    </p:extLst>
-  </p:cSld>
-  <p:clrMapOvr>
-    <a:masterClrMapping/>
-  </p:clrMapOvr>
-</p:sld>
-</file>
-
-<file path=ppt/slides/slide17.xml><?xml version="1.0" encoding="utf-8"?>
-<p:sld xmlns:a="http://schemas.openxmlformats.org/drawingml/2006/main" xmlns:r="http://schemas.openxmlformats.org/officeDocument/2006/relationships" xmlns:p="http://schemas.openxmlformats.org/presentationml/2006/main">
-  <p:cSld>
-    <p:spTree>
-      <p:nvGrpSpPr>
-        <p:cNvPr id="1" name=""/>
-        <p:cNvGrpSpPr/>
-        <p:nvPr/>
-      </p:nvGrpSpPr>
-      <p:grpSpPr>
-        <a:xfrm>
-          <a:off x="0" y="0"/>
-          <a:ext cx="0" cy="0"/>
-          <a:chOff x="0" y="0"/>
-          <a:chExt cx="0" cy="0"/>
-        </a:xfrm>
-      </p:grpSpPr>
-      <p:sp>
-        <p:nvSpPr>
-          <p:cNvPr id="2" name="Titel 1">
-            <a:extLst>
-              <a:ext uri="{FF2B5EF4-FFF2-40B4-BE49-F238E27FC236}">
-                <a16:creationId xmlns:a16="http://schemas.microsoft.com/office/drawing/2014/main" id="{26FB5C22-1A22-49A9-ABDF-197696936D67}"/>
-              </a:ext>
-            </a:extLst>
-          </p:cNvPr>
-          <p:cNvSpPr>
-            <a:spLocks noGrp="1"/>
-          </p:cNvSpPr>
-          <p:nvPr>
-            <p:ph type="title"/>
-          </p:nvPr>
-        </p:nvSpPr>
-        <p:spPr/>
-        <p:txBody>
-          <a:bodyPr/>
-          <a:lstStyle/>
-          <a:p>
-            <a:r>
-              <a:rPr lang="de-DE" dirty="0"/>
-              <a:t>Aufgabe</a:t>
-            </a:r>
-          </a:p>
-        </p:txBody>
-      </p:sp>
-      <p:sp>
-        <p:nvSpPr>
-          <p:cNvPr id="7" name="Inhaltsplatzhalter 6">
-            <a:extLst>
-              <a:ext uri="{FF2B5EF4-FFF2-40B4-BE49-F238E27FC236}">
-                <a16:creationId xmlns:a16="http://schemas.microsoft.com/office/drawing/2014/main" id="{43DD8FFF-A62C-4981-A925-D08E8E9E22E6}"/>
-              </a:ext>
-            </a:extLst>
-          </p:cNvPr>
-          <p:cNvSpPr>
-            <a:spLocks noGrp="1"/>
-          </p:cNvSpPr>
-          <p:nvPr>
-            <p:ph idx="1"/>
-          </p:nvPr>
-        </p:nvSpPr>
-        <p:spPr/>
-        <p:txBody>
-          <a:bodyPr/>
-          <a:lstStyle/>
-          <a:p>
-            <a:pPr marL="0" indent="0">
-              <a:buNone/>
-            </a:pPr>
-            <a:r>
-              <a:rPr lang="de-DE" dirty="0"/>
-              <a:t>Schreibe eine Funktion, die </a:t>
-            </a:r>
-          </a:p>
-          <a:p>
-            <a:r>
-              <a:rPr lang="de-DE" dirty="0"/>
-              <a:t>einen quadratischen Ausschnitt aus dem Spielfeld um den Kopf herum in Betracht zieht,</a:t>
-            </a:r>
-          </a:p>
-          <a:p>
-            <a:r>
-              <a:rPr lang="de-DE" dirty="0"/>
-              <a:t>dabei bestimmte Felder ausmaskieren (auslassen) kann</a:t>
-            </a:r>
-          </a:p>
-          <a:p>
-            <a:r>
-              <a:rPr lang="de-DE" dirty="0"/>
-              <a:t>und die leeren / belegten Feldern in eine Zahl umrechnet</a:t>
-            </a:r>
-          </a:p>
-          <a:p>
-            <a:endParaRPr lang="de-DE" dirty="0"/>
-          </a:p>
-          <a:p>
-            <a:pPr marL="0" indent="0">
-              <a:buNone/>
-            </a:pPr>
-            <a:r>
-              <a:rPr lang="de-DE" dirty="0"/>
-              <a:t>Eingabedaten für die Funktion:</a:t>
-            </a:r>
-          </a:p>
-          <a:p>
-            <a:pPr lvl="1"/>
-            <a:r>
-              <a:rPr lang="de-DE" dirty="0"/>
-              <a:t>eine Zahl für die Kantenläge des Quadrats, z.B. 3</a:t>
-            </a:r>
-          </a:p>
-          <a:p>
-            <a:pPr lvl="1"/>
-            <a:r>
-              <a:rPr lang="de-DE" dirty="0"/>
-              <a:t>ein Text für die Maske aus Einsen und Nullen, z.B. "111 101 111"</a:t>
-            </a:r>
-          </a:p>
-          <a:p>
-            <a:pPr lvl="1"/>
-            <a:r>
-              <a:rPr lang="de-DE" dirty="0"/>
-              <a:t>Spielfeld mit Info, wo der Kopf liegt etc.</a:t>
-            </a:r>
-          </a:p>
-        </p:txBody>
-      </p:sp>
-      <p:sp>
-        <p:nvSpPr>
-          <p:cNvPr id="4" name="Datumsplatzhalter 3">
-            <a:extLst>
-              <a:ext uri="{FF2B5EF4-FFF2-40B4-BE49-F238E27FC236}">
-                <a16:creationId xmlns:a16="http://schemas.microsoft.com/office/drawing/2014/main" id="{03A5A20C-70C4-41CD-A155-0304BBB1339F}"/>
-              </a:ext>
-            </a:extLst>
-          </p:cNvPr>
-          <p:cNvSpPr>
-            <a:spLocks noGrp="1"/>
-          </p:cNvSpPr>
-          <p:nvPr>
-            <p:ph type="dt" sz="half" idx="10"/>
-          </p:nvPr>
-        </p:nvSpPr>
-        <p:spPr/>
-        <p:txBody>
-          <a:bodyPr/>
-          <a:lstStyle/>
-          <a:p>
-            <a:r>
-              <a:rPr lang="de-DE"/>
-              <a:t>09.12.2019</a:t>
-            </a:r>
-          </a:p>
-        </p:txBody>
-      </p:sp>
-      <p:sp>
-        <p:nvSpPr>
-          <p:cNvPr id="5" name="Fußzeilenplatzhalter 4">
-            <a:extLst>
-              <a:ext uri="{FF2B5EF4-FFF2-40B4-BE49-F238E27FC236}">
-                <a16:creationId xmlns:a16="http://schemas.microsoft.com/office/drawing/2014/main" id="{136D4962-0290-4275-9091-ACF11FD88B55}"/>
-              </a:ext>
-            </a:extLst>
-          </p:cNvPr>
-          <p:cNvSpPr>
-            <a:spLocks noGrp="1"/>
-          </p:cNvSpPr>
-          <p:nvPr>
-            <p:ph type="ftr" sz="quarter" idx="11"/>
-          </p:nvPr>
-        </p:nvSpPr>
-        <p:spPr/>
-        <p:txBody>
-          <a:bodyPr/>
-          <a:lstStyle/>
-          <a:p>
-            <a:r>
-              <a:rPr lang="de-DE"/>
-              <a:t>Von der Spaghetti-Schlange zu Q-Tables</a:t>
-            </a:r>
-          </a:p>
-        </p:txBody>
-      </p:sp>
-      <p:sp>
-        <p:nvSpPr>
-          <p:cNvPr id="6" name="Foliennummernplatzhalter 5">
-            <a:extLst>
-              <a:ext uri="{FF2B5EF4-FFF2-40B4-BE49-F238E27FC236}">
-                <a16:creationId xmlns:a16="http://schemas.microsoft.com/office/drawing/2014/main" id="{D604B54C-5447-4832-A23A-A773F6C60882}"/>
-              </a:ext>
-            </a:extLst>
-          </p:cNvPr>
-          <p:cNvSpPr>
-            <a:spLocks noGrp="1"/>
-          </p:cNvSpPr>
-          <p:nvPr>
-            <p:ph type="sldNum" sz="quarter" idx="12"/>
-          </p:nvPr>
-        </p:nvSpPr>
-        <p:spPr/>
-        <p:txBody>
-          <a:bodyPr/>
-          <a:lstStyle/>
-          <a:p>
-            <a:fld id="{3A1F27E2-D58A-4028-9FF2-B12D897F257E}" type="slidenum">
-              <a:rPr lang="de-DE" smtClean="0"/>
-              <a:t>17</a:t>
-            </a:fld>
-            <a:endParaRPr lang="de-DE"/>
-          </a:p>
-        </p:txBody>
-      </p:sp>
-    </p:spTree>
-    <p:extLst>
-      <p:ext uri="{BB962C8B-B14F-4D97-AF65-F5344CB8AC3E}">
-        <p14:creationId xmlns:p14="http://schemas.microsoft.com/office/powerpoint/2010/main" val="97274901"/>
       </p:ext>
     </p:extLst>
   </p:cSld>
@@ -10545,7 +12357,13 @@
       </p:grpSpPr>
       <p:sp>
         <p:nvSpPr>
-          <p:cNvPr id="4" name="Titel 3"/>
+          <p:cNvPr id="2" name="Titel 1">
+            <a:extLst>
+              <a:ext uri="{FF2B5EF4-FFF2-40B4-BE49-F238E27FC236}">
+                <a16:creationId xmlns:a16="http://schemas.microsoft.com/office/drawing/2014/main" id="{26FB5C22-1A22-49A9-ABDF-197696936D67}"/>
+              </a:ext>
+            </a:extLst>
+          </p:cNvPr>
           <p:cNvSpPr>
             <a:spLocks noGrp="1"/>
           </p:cNvSpPr>
@@ -10560,14 +12378,20 @@
           <a:p>
             <a:r>
               <a:rPr lang="de-DE" dirty="0"/>
-              <a:t>Zusammenfassung</a:t>
-            </a:r>
-          </a:p>
-        </p:txBody>
-      </p:sp>
-      <p:sp>
-        <p:nvSpPr>
-          <p:cNvPr id="5" name="Inhaltsplatzhalter 4"/>
+              <a:t>Aufgabe</a:t>
+            </a:r>
+          </a:p>
+        </p:txBody>
+      </p:sp>
+      <p:sp>
+        <p:nvSpPr>
+          <p:cNvPr id="7" name="Inhaltsplatzhalter 6">
+            <a:extLst>
+              <a:ext uri="{FF2B5EF4-FFF2-40B4-BE49-F238E27FC236}">
+                <a16:creationId xmlns:a16="http://schemas.microsoft.com/office/drawing/2014/main" id="{43DD8FFF-A62C-4981-A925-D08E8E9E22E6}"/>
+              </a:ext>
+            </a:extLst>
+          </p:cNvPr>
           <p:cNvSpPr>
             <a:spLocks noGrp="1"/>
           </p:cNvSpPr>
@@ -10580,49 +12404,76 @@
           <a:bodyPr/>
           <a:lstStyle/>
           <a:p>
+            <a:pPr marL="0" indent="0">
+              <a:buNone/>
+            </a:pPr>
             <a:r>
               <a:rPr lang="de-DE" dirty="0"/>
-              <a:t>mehr Code = schlechter verständlich</a:t>
+              <a:t>Schreibe eine Funktion, die </a:t>
             </a:r>
           </a:p>
           <a:p>
             <a:r>
               <a:rPr lang="de-DE" dirty="0"/>
-              <a:t>hier: Übersichtlichkeit durch Bedingungen in einer Schleife</a:t>
+              <a:t>einen quadratischen Ausschnitt aus dem Spielfeld um den Kopf herum in Betracht zieht,</a:t>
             </a:r>
           </a:p>
           <a:p>
             <a:r>
               <a:rPr lang="de-DE" dirty="0"/>
-              <a:t>Spielfeld-Ausschnitt in eine Zahl umwandeln</a:t>
+              <a:t>dabei bestimmte Felder ausmaskieren (auslassen) kann</a:t>
             </a:r>
           </a:p>
           <a:p>
             <a:r>
               <a:rPr lang="de-DE" dirty="0"/>
-              <a:t>Datenmenge ist ein Problem, für das man Lösungen finden muss</a:t>
-            </a:r>
-          </a:p>
-          <a:p>
+              <a:t>und die leeren / belegten Feldern in eine Zahl umrechnet</a:t>
+            </a:r>
+          </a:p>
+          <a:p>
+            <a:endParaRPr lang="de-DE" dirty="0"/>
+          </a:p>
+          <a:p>
+            <a:pPr marL="0" indent="0">
+              <a:buNone/>
+            </a:pPr>
             <a:r>
               <a:rPr lang="de-DE" dirty="0"/>
-              <a:t>hier: Auslassen von Daten durch Maskierung</a:t>
-            </a:r>
-          </a:p>
-          <a:p>
-            <a:endParaRPr lang="de-DE" dirty="0"/>
-          </a:p>
-          <a:p>
+              <a:t>Eingabedaten für die Funktion:</a:t>
+            </a:r>
+          </a:p>
+          <a:p>
+            <a:pPr lvl="1"/>
             <a:r>
               <a:rPr lang="de-DE" dirty="0"/>
-              <a:t>Aufgabe: programmiere die Umwandlung und Datenreduzierung</a:t>
-            </a:r>
-          </a:p>
-        </p:txBody>
-      </p:sp>
-      <p:sp>
-        <p:nvSpPr>
-          <p:cNvPr id="2" name="Datumsplatzhalter 1"/>
+              <a:t>eine Zahl für die Kantenlänge des Quadrats, z.B. 3</a:t>
+            </a:r>
+          </a:p>
+          <a:p>
+            <a:pPr lvl="1"/>
+            <a:r>
+              <a:rPr lang="de-DE" dirty="0"/>
+              <a:t>ein Text für die Maske aus Einsen und Nullen, z.B. "111 101 111"</a:t>
+            </a:r>
+          </a:p>
+          <a:p>
+            <a:pPr lvl="1"/>
+            <a:r>
+              <a:rPr lang="de-DE" dirty="0"/>
+              <a:t>Spielfeld mit Info, wo der Kopf liegt etc.</a:t>
+            </a:r>
+          </a:p>
+        </p:txBody>
+      </p:sp>
+      <p:sp>
+        <p:nvSpPr>
+          <p:cNvPr id="4" name="Datumsplatzhalter 3">
+            <a:extLst>
+              <a:ext uri="{FF2B5EF4-FFF2-40B4-BE49-F238E27FC236}">
+                <a16:creationId xmlns:a16="http://schemas.microsoft.com/office/drawing/2014/main" id="{03A5A20C-70C4-41CD-A155-0304BBB1339F}"/>
+              </a:ext>
+            </a:extLst>
+          </p:cNvPr>
           <p:cNvSpPr>
             <a:spLocks noGrp="1"/>
           </p:cNvSpPr>
@@ -10644,7 +12495,13 @@
       </p:sp>
       <p:sp>
         <p:nvSpPr>
-          <p:cNvPr id="3" name="Fußzeilenplatzhalter 2"/>
+          <p:cNvPr id="5" name="Fußzeilenplatzhalter 4">
+            <a:extLst>
+              <a:ext uri="{FF2B5EF4-FFF2-40B4-BE49-F238E27FC236}">
+                <a16:creationId xmlns:a16="http://schemas.microsoft.com/office/drawing/2014/main" id="{136D4962-0290-4275-9091-ACF11FD88B55}"/>
+              </a:ext>
+            </a:extLst>
+          </p:cNvPr>
           <p:cNvSpPr>
             <a:spLocks noGrp="1"/>
           </p:cNvSpPr>
@@ -10666,7 +12523,13 @@
       </p:sp>
       <p:sp>
         <p:nvSpPr>
-          <p:cNvPr id="6" name="Foliennummernplatzhalter 5"/>
+          <p:cNvPr id="6" name="Foliennummernplatzhalter 5">
+            <a:extLst>
+              <a:ext uri="{FF2B5EF4-FFF2-40B4-BE49-F238E27FC236}">
+                <a16:creationId xmlns:a16="http://schemas.microsoft.com/office/drawing/2014/main" id="{D604B54C-5447-4832-A23A-A773F6C60882}"/>
+              </a:ext>
+            </a:extLst>
+          </p:cNvPr>
           <p:cNvSpPr>
             <a:spLocks noGrp="1"/>
           </p:cNvSpPr>
@@ -10690,7 +12553,7 @@
     </p:spTree>
     <p:extLst>
       <p:ext uri="{BB962C8B-B14F-4D97-AF65-F5344CB8AC3E}">
-        <p14:creationId xmlns:p14="http://schemas.microsoft.com/office/powerpoint/2010/main" val="2637983416"/>
+        <p14:creationId xmlns:p14="http://schemas.microsoft.com/office/powerpoint/2010/main" val="97274901"/>
       </p:ext>
     </p:extLst>
   </p:cSld>
@@ -10734,7 +12597,62 @@
           <a:p>
             <a:r>
               <a:rPr lang="de-DE" dirty="0"/>
-              <a:t>Fragen</a:t>
+              <a:t>Zusammenfassung</a:t>
+            </a:r>
+          </a:p>
+        </p:txBody>
+      </p:sp>
+      <p:sp>
+        <p:nvSpPr>
+          <p:cNvPr id="5" name="Inhaltsplatzhalter 4"/>
+          <p:cNvSpPr>
+            <a:spLocks noGrp="1"/>
+          </p:cNvSpPr>
+          <p:nvPr>
+            <p:ph idx="1"/>
+          </p:nvPr>
+        </p:nvSpPr>
+        <p:spPr/>
+        <p:txBody>
+          <a:bodyPr/>
+          <a:lstStyle/>
+          <a:p>
+            <a:r>
+              <a:rPr lang="de-DE" dirty="0"/>
+              <a:t>mehr Code = schlechter verständlich</a:t>
+            </a:r>
+          </a:p>
+          <a:p>
+            <a:r>
+              <a:rPr lang="de-DE" dirty="0"/>
+              <a:t>hier: Übersichtlichkeit durch Bedingungen in einer Schleife</a:t>
+            </a:r>
+          </a:p>
+          <a:p>
+            <a:r>
+              <a:rPr lang="de-DE" dirty="0"/>
+              <a:t>Spielfeld-Ausschnitt in eine Zahl umwandeln</a:t>
+            </a:r>
+          </a:p>
+          <a:p>
+            <a:r>
+              <a:rPr lang="de-DE" dirty="0"/>
+              <a:t>Datenmenge ist ein Problem, für das man Lösungen finden muss</a:t>
+            </a:r>
+          </a:p>
+          <a:p>
+            <a:r>
+              <a:rPr lang="de-DE" dirty="0"/>
+              <a:t>hier: Auslassen von Daten durch Maskierung</a:t>
+            </a:r>
+          </a:p>
+          <a:p>
+            <a:endParaRPr lang="de-DE" dirty="0"/>
+          </a:p>
+          <a:p>
+            <a:r>
+              <a:rPr lang="de-DE" dirty="0"/>
+              <a:t>Aufgabe: programmiere die Umwandlung und Datenreduzierung</a:t>
             </a:r>
           </a:p>
         </p:txBody>
@@ -10809,7 +12727,7 @@
     </p:spTree>
     <p:extLst>
       <p:ext uri="{BB962C8B-B14F-4D97-AF65-F5344CB8AC3E}">
-        <p14:creationId xmlns:p14="http://schemas.microsoft.com/office/powerpoint/2010/main" val="3029113584"/>
+        <p14:creationId xmlns:p14="http://schemas.microsoft.com/office/powerpoint/2010/main" val="2637983416"/>
       </p:ext>
     </p:extLst>
   </p:cSld>
@@ -10975,6 +12893,125 @@
     <p:extLst>
       <p:ext uri="{BB962C8B-B14F-4D97-AF65-F5344CB8AC3E}">
         <p14:creationId xmlns:p14="http://schemas.microsoft.com/office/powerpoint/2010/main" val="86787828"/>
+      </p:ext>
+    </p:extLst>
+  </p:cSld>
+  <p:clrMapOvr>
+    <a:masterClrMapping/>
+  </p:clrMapOvr>
+</p:sld>
+</file>
+
+<file path=ppt/slides/slide20.xml><?xml version="1.0" encoding="utf-8"?>
+<p:sld xmlns:a="http://schemas.openxmlformats.org/drawingml/2006/main" xmlns:r="http://schemas.openxmlformats.org/officeDocument/2006/relationships" xmlns:p="http://schemas.openxmlformats.org/presentationml/2006/main">
+  <p:cSld>
+    <p:spTree>
+      <p:nvGrpSpPr>
+        <p:cNvPr id="1" name=""/>
+        <p:cNvGrpSpPr/>
+        <p:nvPr/>
+      </p:nvGrpSpPr>
+      <p:grpSpPr>
+        <a:xfrm>
+          <a:off x="0" y="0"/>
+          <a:ext cx="0" cy="0"/>
+          <a:chOff x="0" y="0"/>
+          <a:chExt cx="0" cy="0"/>
+        </a:xfrm>
+      </p:grpSpPr>
+      <p:sp>
+        <p:nvSpPr>
+          <p:cNvPr id="4" name="Titel 3"/>
+          <p:cNvSpPr>
+            <a:spLocks noGrp="1"/>
+          </p:cNvSpPr>
+          <p:nvPr>
+            <p:ph type="title"/>
+          </p:nvPr>
+        </p:nvSpPr>
+        <p:spPr/>
+        <p:txBody>
+          <a:bodyPr/>
+          <a:lstStyle/>
+          <a:p>
+            <a:r>
+              <a:rPr lang="de-DE" dirty="0"/>
+              <a:t>Fragen</a:t>
+            </a:r>
+          </a:p>
+        </p:txBody>
+      </p:sp>
+      <p:sp>
+        <p:nvSpPr>
+          <p:cNvPr id="2" name="Datumsplatzhalter 1"/>
+          <p:cNvSpPr>
+            <a:spLocks noGrp="1"/>
+          </p:cNvSpPr>
+          <p:nvPr>
+            <p:ph type="dt" sz="half" idx="10"/>
+          </p:nvPr>
+        </p:nvSpPr>
+        <p:spPr/>
+        <p:txBody>
+          <a:bodyPr/>
+          <a:lstStyle/>
+          <a:p>
+            <a:r>
+              <a:rPr lang="de-DE"/>
+              <a:t>09.12.2019</a:t>
+            </a:r>
+          </a:p>
+        </p:txBody>
+      </p:sp>
+      <p:sp>
+        <p:nvSpPr>
+          <p:cNvPr id="3" name="Fußzeilenplatzhalter 2"/>
+          <p:cNvSpPr>
+            <a:spLocks noGrp="1"/>
+          </p:cNvSpPr>
+          <p:nvPr>
+            <p:ph type="ftr" sz="quarter" idx="11"/>
+          </p:nvPr>
+        </p:nvSpPr>
+        <p:spPr/>
+        <p:txBody>
+          <a:bodyPr/>
+          <a:lstStyle/>
+          <a:p>
+            <a:r>
+              <a:rPr lang="de-DE"/>
+              <a:t>Von der Spaghetti-Schlange zu Q-Tables</a:t>
+            </a:r>
+          </a:p>
+        </p:txBody>
+      </p:sp>
+      <p:sp>
+        <p:nvSpPr>
+          <p:cNvPr id="6" name="Foliennummernplatzhalter 5"/>
+          <p:cNvSpPr>
+            <a:spLocks noGrp="1"/>
+          </p:cNvSpPr>
+          <p:nvPr>
+            <p:ph type="sldNum" sz="quarter" idx="12"/>
+          </p:nvPr>
+        </p:nvSpPr>
+        <p:spPr/>
+        <p:txBody>
+          <a:bodyPr/>
+          <a:lstStyle/>
+          <a:p>
+            <a:fld id="{3A1F27E2-D58A-4028-9FF2-B12D897F257E}" type="slidenum">
+              <a:rPr lang="de-DE" smtClean="0"/>
+              <a:t>20</a:t>
+            </a:fld>
+            <a:endParaRPr lang="de-DE"/>
+          </a:p>
+        </p:txBody>
+      </p:sp>
+    </p:spTree>
+    <p:extLst>
+      <p:ext uri="{BB962C8B-B14F-4D97-AF65-F5344CB8AC3E}">
+        <p14:creationId xmlns:p14="http://schemas.microsoft.com/office/powerpoint/2010/main" val="3029113584"/>
       </p:ext>
     </p:extLst>
   </p:cSld>
@@ -14686,7 +16723,7 @@
           <p:nvPr/>
         </p:nvPicPr>
         <p:blipFill>
-          <a:blip r:embed="rId2">
+          <a:blip r:embed="rId3">
             <a:extLst>
               <a:ext uri="{28A0092B-C50C-407E-A947-70E740481C1C}">
                 <a14:useLocalDpi xmlns:a14="http://schemas.microsoft.com/office/drawing/2010/main" val="0"/>
